--- a/src/main/resources/patterns.pptx
+++ b/src/main/resources/patterns.pptx
@@ -209,7 +209,8 @@
           <a:p>
             <a:fld id="{E57671ED-3786-46F4-8416-85A2AA77E292}" type="datetimeFigureOut">
               <a:rPr lang="uk-UA" smtClean="0"/>
-              <a:t>29.05.2016</a:t>
+              <a:pPr/>
+              <a:t>02.06.2016</a:t>
             </a:fld>
             <a:endParaRPr lang="uk-UA"/>
           </a:p>
@@ -370,6 +371,7 @@
           <a:p>
             <a:fld id="{F4790D80-42E0-413C-9655-739D5164C9C0}" type="slidenum">
               <a:rPr lang="uk-UA" smtClean="0"/>
+              <a:pPr/>
               <a:t>‹#›</a:t>
             </a:fld>
             <a:endParaRPr lang="uk-UA"/>
@@ -541,6 +543,7 @@
           <a:p>
             <a:fld id="{F4790D80-42E0-413C-9655-739D5164C9C0}" type="slidenum">
               <a:rPr lang="uk-UA" smtClean="0"/>
+              <a:pPr/>
               <a:t>3</a:t>
             </a:fld>
             <a:endParaRPr lang="uk-UA"/>
@@ -699,7 +702,7 @@
             <a:fld id="{E5510EBA-A58D-4DBC-8C88-DEECA05D3E17}" type="datetimeFigureOut">
               <a:rPr lang="uk-UA" smtClean="0"/>
               <a:pPr/>
-              <a:t>29.05.2016</a:t>
+              <a:t>02.06.2016</a:t>
             </a:fld>
             <a:endParaRPr lang="uk-UA"/>
           </a:p>
@@ -1060,7 +1063,7 @@
             <a:fld id="{E5510EBA-A58D-4DBC-8C88-DEECA05D3E17}" type="datetimeFigureOut">
               <a:rPr lang="uk-UA" smtClean="0"/>
               <a:pPr/>
-              <a:t>29.05.2016</a:t>
+              <a:t>02.06.2016</a:t>
             </a:fld>
             <a:endParaRPr lang="uk-UA"/>
           </a:p>
@@ -1237,7 +1240,7 @@
             <a:fld id="{E5510EBA-A58D-4DBC-8C88-DEECA05D3E17}" type="datetimeFigureOut">
               <a:rPr lang="uk-UA" smtClean="0"/>
               <a:pPr/>
-              <a:t>29.05.2016</a:t>
+              <a:t>02.06.2016</a:t>
             </a:fld>
             <a:endParaRPr lang="uk-UA"/>
           </a:p>
@@ -1474,7 +1477,7 @@
             <a:fld id="{E5510EBA-A58D-4DBC-8C88-DEECA05D3E17}" type="datetimeFigureOut">
               <a:rPr lang="uk-UA" smtClean="0"/>
               <a:pPr/>
-              <a:t>29.05.2016</a:t>
+              <a:t>02.06.2016</a:t>
             </a:fld>
             <a:endParaRPr lang="uk-UA"/>
           </a:p>
@@ -1745,7 +1748,7 @@
             <a:fld id="{E5510EBA-A58D-4DBC-8C88-DEECA05D3E17}" type="datetimeFigureOut">
               <a:rPr lang="uk-UA" smtClean="0"/>
               <a:pPr/>
-              <a:t>29.05.2016</a:t>
+              <a:t>02.06.2016</a:t>
             </a:fld>
             <a:endParaRPr lang="uk-UA"/>
           </a:p>
@@ -1967,7 +1970,7 @@
             <a:fld id="{E5510EBA-A58D-4DBC-8C88-DEECA05D3E17}" type="datetimeFigureOut">
               <a:rPr lang="uk-UA" smtClean="0"/>
               <a:pPr/>
-              <a:t>29.05.2016</a:t>
+              <a:t>02.06.2016</a:t>
             </a:fld>
             <a:endParaRPr lang="uk-UA"/>
           </a:p>
@@ -2321,7 +2324,7 @@
             <a:fld id="{E5510EBA-A58D-4DBC-8C88-DEECA05D3E17}" type="datetimeFigureOut">
               <a:rPr lang="uk-UA" smtClean="0"/>
               <a:pPr/>
-              <a:t>29.05.2016</a:t>
+              <a:t>02.06.2016</a:t>
             </a:fld>
             <a:endParaRPr lang="uk-UA"/>
           </a:p>
@@ -2555,7 +2558,7 @@
             <a:fld id="{E5510EBA-A58D-4DBC-8C88-DEECA05D3E17}" type="datetimeFigureOut">
               <a:rPr lang="uk-UA" smtClean="0"/>
               <a:pPr/>
-              <a:t>29.05.2016</a:t>
+              <a:t>02.06.2016</a:t>
             </a:fld>
             <a:endParaRPr lang="uk-UA"/>
           </a:p>
@@ -2697,7 +2700,7 @@
             <a:fld id="{E5510EBA-A58D-4DBC-8C88-DEECA05D3E17}" type="datetimeFigureOut">
               <a:rPr lang="uk-UA" smtClean="0"/>
               <a:pPr/>
-              <a:t>29.05.2016</a:t>
+              <a:t>02.06.2016</a:t>
             </a:fld>
             <a:endParaRPr lang="uk-UA"/>
           </a:p>
@@ -2976,7 +2979,7 @@
             <a:fld id="{E5510EBA-A58D-4DBC-8C88-DEECA05D3E17}" type="datetimeFigureOut">
               <a:rPr lang="uk-UA" smtClean="0"/>
               <a:pPr/>
-              <a:t>29.05.2016</a:t>
+              <a:t>02.06.2016</a:t>
             </a:fld>
             <a:endParaRPr lang="uk-UA"/>
           </a:p>
@@ -3385,7 +3388,7 @@
             <a:fld id="{E5510EBA-A58D-4DBC-8C88-DEECA05D3E17}" type="datetimeFigureOut">
               <a:rPr lang="uk-UA" smtClean="0"/>
               <a:pPr/>
-              <a:t>29.05.2016</a:t>
+              <a:t>02.06.2016</a:t>
             </a:fld>
             <a:endParaRPr lang="uk-UA"/>
           </a:p>
@@ -3725,7 +3728,7 @@
             <a:fld id="{E5510EBA-A58D-4DBC-8C88-DEECA05D3E17}" type="datetimeFigureOut">
               <a:rPr lang="uk-UA" smtClean="0"/>
               <a:pPr/>
-              <a:t>29.05.2016</a:t>
+              <a:t>02.06.2016</a:t>
             </a:fld>
             <a:endParaRPr lang="uk-UA"/>
           </a:p>
@@ -4734,11 +4737,7 @@
           <a:p>
             <a:r>
               <a:rPr lang="en-US" dirty="0" smtClean="0"/>
-              <a:t>A lambda that calls a function with a different signature on some other object</a:t>
-            </a:r>
-            <a:r>
-              <a:rPr lang="en-US" dirty="0" smtClean="0"/>
-              <a:t>.</a:t>
+              <a:t>A lambda that calls a function with a different signature on some other object.</a:t>
             </a:r>
             <a:r>
               <a:rPr lang="en-US" b="1" i="1" dirty="0" smtClean="0"/>
@@ -5436,26 +5435,7 @@
               <a:rPr lang="en-US" sz="2700" dirty="0" smtClean="0">
                 <a:hlinkClick r:id="rId2"/>
               </a:rPr>
-              <a:t>https</a:t>
-            </a:r>
-            <a:r>
-              <a:rPr lang="en-US" sz="2700" dirty="0" smtClean="0">
-                <a:hlinkClick r:id="rId2"/>
-              </a:rPr>
-              <a:t>://</a:t>
-            </a:r>
-            <a:r>
-              <a:rPr lang="en-US" sz="2700" dirty="0" smtClean="0">
-                <a:hlinkClick r:id="rId2"/>
-              </a:rPr>
-              <a:t>www.youtube.com/watch?v=hjmQWZTH2oQ</a:t>
-            </a:r>
-            <a:endParaRPr lang="en-US" sz="2700" dirty="0" smtClean="0"/>
-          </a:p>
-          <a:p>
-            <a:r>
-              <a:rPr lang="en-US" sz="2700" dirty="0" smtClean="0"/>
-              <a:t>https://www.youtube.com/watch?v=e4MT_OguDKg</a:t>
+              <a:t>https://www.youtube.com/watch?v=hjmQWZTH2oQ</a:t>
             </a:r>
             <a:endParaRPr lang="en-US" sz="2700" dirty="0" smtClean="0"/>
           </a:p>
@@ -5464,13 +5444,17 @@
               <a:rPr lang="en-US" sz="2700" dirty="0" smtClean="0">
                 <a:hlinkClick r:id="rId3"/>
               </a:rPr>
-              <a:t>http://</a:t>
+              <a:t>https://</a:t>
             </a:r>
             <a:r>
               <a:rPr lang="en-US" sz="2700" dirty="0" smtClean="0">
                 <a:hlinkClick r:id="rId3"/>
               </a:rPr>
-              <a:t>radar.oreilly.com/2014/12/using-the-command-pattern-with-lambda-expressions.html</a:t>
+              <a:t>www.youtube.com/watch?v=e4MT_OguDKg</a:t>
+            </a:r>
+            <a:r>
+              <a:rPr lang="uk-UA" sz="2700" dirty="0" smtClean="0"/>
+              <a:t> </a:t>
             </a:r>
             <a:endParaRPr lang="en-US" sz="2700" dirty="0" smtClean="0"/>
           </a:p>
@@ -5479,20 +5463,35 @@
               <a:rPr lang="en-US" sz="2700" dirty="0" smtClean="0">
                 <a:hlinkClick r:id="rId4"/>
               </a:rPr>
-              <a:t>http://</a:t>
-            </a:r>
+              <a:t>http://radar.oreilly.com/2014/12/using-the-command-pattern-with-lambda-expressions.html</a:t>
+            </a:r>
+            <a:endParaRPr lang="en-US" sz="2700" dirty="0" smtClean="0"/>
+          </a:p>
+          <a:p>
             <a:r>
               <a:rPr lang="en-US" sz="2700" dirty="0" smtClean="0">
-                <a:hlinkClick r:id="rId4"/>
+                <a:hlinkClick r:id="rId5"/>
               </a:rPr>
-              <a:t>shop.oreilly.com/product/0636920030713.do</a:t>
+              <a:t>http://shop.oreilly.com/product/0636920030713.do</a:t>
             </a:r>
             <a:endParaRPr lang="en-US" sz="2700" dirty="0" smtClean="0"/>
           </a:p>
           <a:p>
             <a:r>
-              <a:rPr lang="en-US" sz="2700" dirty="0" smtClean="0"/>
-              <a:t>http://www.grahamlea.com/2014/07/lambda-design-patterns-java-8/</a:t>
+              <a:rPr lang="en-US" sz="2700" dirty="0" smtClean="0">
+                <a:hlinkClick r:id="rId6"/>
+              </a:rPr>
+              <a:t>http://www.grahamlea.com/2014/07/lambda-design-patterns-java-8</a:t>
+            </a:r>
+            <a:r>
+              <a:rPr lang="en-US" sz="2700" dirty="0" smtClean="0">
+                <a:hlinkClick r:id="rId6"/>
+              </a:rPr>
+              <a:t>/</a:t>
+            </a:r>
+            <a:r>
+              <a:rPr lang="uk-UA" sz="2700" dirty="0" smtClean="0"/>
+              <a:t> </a:t>
             </a:r>
             <a:endParaRPr lang="en-US" sz="2700" dirty="0" smtClean="0"/>
           </a:p>
@@ -5598,11 +5597,7 @@
           <a:p>
             <a:r>
               <a:rPr lang="en-US" dirty="0" smtClean="0"/>
-              <a:t>C</a:t>
-            </a:r>
-            <a:r>
-              <a:rPr lang="en-US" dirty="0" smtClean="0"/>
-              <a:t>hain </a:t>
+              <a:t>Chain </a:t>
             </a:r>
             <a:r>
               <a:rPr lang="en-US" dirty="0"/>
@@ -5700,11 +5695,7 @@
           <a:p>
             <a:r>
               <a:rPr lang="en-US" dirty="0" smtClean="0"/>
-              <a:t>A </a:t>
-            </a:r>
-            <a:r>
-              <a:rPr lang="en-US" dirty="0" smtClean="0"/>
-              <a:t>lambda that may or may not delegate to another lambda, which may or may not delegate to another lambda, ad infinitum.</a:t>
+              <a:t>A lambda that may or may not delegate to another lambda, which may or may not delegate to another lambda, ad infinitum.</a:t>
             </a:r>
             <a:endParaRPr lang="uk-UA" dirty="0"/>
           </a:p>
@@ -6073,11 +6064,7 @@
           <a:p>
             <a:r>
               <a:rPr lang="en-US" dirty="0" smtClean="0"/>
-              <a:t>A lambda that calls another lambda with the same signature but changes the arguments on the way in, or the result on the way out, or performs some extra action</a:t>
-            </a:r>
-            <a:r>
-              <a:rPr lang="en-US" dirty="0" smtClean="0"/>
-              <a:t>.</a:t>
+              <a:t>A lambda that calls another lambda with the same signature but changes the arguments on the way in, or the result on the way out, or performs some extra action.</a:t>
             </a:r>
             <a:r>
               <a:rPr lang="en-US" b="1" i="1" dirty="0" smtClean="0"/>
@@ -6498,15 +6485,7 @@
             <a:pPr fontAlgn="base"/>
             <a:r>
               <a:rPr lang="en-US" dirty="0" smtClean="0"/>
-              <a:t>Choose from a family </a:t>
-            </a:r>
-            <a:r>
-              <a:rPr lang="en-US" dirty="0" smtClean="0"/>
-              <a:t>of lambdas with identical signatures at runtime</a:t>
-            </a:r>
-            <a:r>
-              <a:rPr lang="en-US" dirty="0" smtClean="0"/>
-              <a:t>.</a:t>
+              <a:t>Choose from a family of lambdas with identical signatures at runtime.</a:t>
             </a:r>
             <a:r>
               <a:rPr lang="en-US" b="1" i="1" dirty="0" smtClean="0"/>

--- a/src/main/resources/patterns.pptx
+++ b/src/main/resources/patterns.pptx
@@ -5,27 +5,31 @@
     <p:sldMasterId id="2147483696" r:id="rId1"/>
   </p:sldMasterIdLst>
   <p:notesMasterIdLst>
-    <p:notesMasterId r:id="rId20"/>
+    <p:notesMasterId r:id="rId24"/>
   </p:notesMasterIdLst>
   <p:sldIdLst>
     <p:sldId id="256" r:id="rId2"/>
-    <p:sldId id="257" r:id="rId3"/>
-    <p:sldId id="258" r:id="rId4"/>
-    <p:sldId id="259" r:id="rId5"/>
-    <p:sldId id="260" r:id="rId6"/>
-    <p:sldId id="262" r:id="rId7"/>
-    <p:sldId id="263" r:id="rId8"/>
-    <p:sldId id="278" r:id="rId9"/>
-    <p:sldId id="264" r:id="rId10"/>
+    <p:sldId id="284" r:id="rId3"/>
+    <p:sldId id="257" r:id="rId4"/>
+    <p:sldId id="258" r:id="rId5"/>
+    <p:sldId id="259" r:id="rId6"/>
+    <p:sldId id="260" r:id="rId7"/>
+    <p:sldId id="262" r:id="rId8"/>
+    <p:sldId id="263" r:id="rId9"/>
+    <p:sldId id="278" r:id="rId10"/>
     <p:sldId id="265" r:id="rId11"/>
-    <p:sldId id="282" r:id="rId12"/>
-    <p:sldId id="279" r:id="rId13"/>
-    <p:sldId id="280" r:id="rId14"/>
-    <p:sldId id="281" r:id="rId15"/>
-    <p:sldId id="283" r:id="rId16"/>
-    <p:sldId id="276" r:id="rId17"/>
-    <p:sldId id="266" r:id="rId18"/>
-    <p:sldId id="277" r:id="rId19"/>
+    <p:sldId id="264" r:id="rId12"/>
+    <p:sldId id="282" r:id="rId13"/>
+    <p:sldId id="279" r:id="rId14"/>
+    <p:sldId id="280" r:id="rId15"/>
+    <p:sldId id="281" r:id="rId16"/>
+    <p:sldId id="283" r:id="rId17"/>
+    <p:sldId id="276" r:id="rId18"/>
+    <p:sldId id="287" r:id="rId19"/>
+    <p:sldId id="285" r:id="rId20"/>
+    <p:sldId id="286" r:id="rId21"/>
+    <p:sldId id="266" r:id="rId22"/>
+    <p:sldId id="277" r:id="rId23"/>
   </p:sldIdLst>
   <p:sldSz cx="9144000" cy="6858000" type="screen4x3"/>
   <p:notesSz cx="6858000" cy="9144000"/>
@@ -210,7 +214,7 @@
             <a:fld id="{E57671ED-3786-46F4-8416-85A2AA77E292}" type="datetimeFigureOut">
               <a:rPr lang="uk-UA" smtClean="0"/>
               <a:pPr/>
-              <a:t>02.06.2016</a:t>
+              <a:t>05.06.2016</a:t>
             </a:fld>
             <a:endParaRPr lang="uk-UA"/>
           </a:p>
@@ -544,7 +548,7 @@
             <a:fld id="{F4790D80-42E0-413C-9655-739D5164C9C0}" type="slidenum">
               <a:rPr lang="uk-UA" smtClean="0"/>
               <a:pPr/>
-              <a:t>3</a:t>
+              <a:t>4</a:t>
             </a:fld>
             <a:endParaRPr lang="uk-UA"/>
           </a:p>
@@ -702,7 +706,7 @@
             <a:fld id="{E5510EBA-A58D-4DBC-8C88-DEECA05D3E17}" type="datetimeFigureOut">
               <a:rPr lang="uk-UA" smtClean="0"/>
               <a:pPr/>
-              <a:t>02.06.2016</a:t>
+              <a:t>05.06.2016</a:t>
             </a:fld>
             <a:endParaRPr lang="uk-UA"/>
           </a:p>
@@ -1063,7 +1067,7 @@
             <a:fld id="{E5510EBA-A58D-4DBC-8C88-DEECA05D3E17}" type="datetimeFigureOut">
               <a:rPr lang="uk-UA" smtClean="0"/>
               <a:pPr/>
-              <a:t>02.06.2016</a:t>
+              <a:t>05.06.2016</a:t>
             </a:fld>
             <a:endParaRPr lang="uk-UA"/>
           </a:p>
@@ -1240,7 +1244,7 @@
             <a:fld id="{E5510EBA-A58D-4DBC-8C88-DEECA05D3E17}" type="datetimeFigureOut">
               <a:rPr lang="uk-UA" smtClean="0"/>
               <a:pPr/>
-              <a:t>02.06.2016</a:t>
+              <a:t>05.06.2016</a:t>
             </a:fld>
             <a:endParaRPr lang="uk-UA"/>
           </a:p>
@@ -1477,7 +1481,7 @@
             <a:fld id="{E5510EBA-A58D-4DBC-8C88-DEECA05D3E17}" type="datetimeFigureOut">
               <a:rPr lang="uk-UA" smtClean="0"/>
               <a:pPr/>
-              <a:t>02.06.2016</a:t>
+              <a:t>05.06.2016</a:t>
             </a:fld>
             <a:endParaRPr lang="uk-UA"/>
           </a:p>
@@ -1748,7 +1752,7 @@
             <a:fld id="{E5510EBA-A58D-4DBC-8C88-DEECA05D3E17}" type="datetimeFigureOut">
               <a:rPr lang="uk-UA" smtClean="0"/>
               <a:pPr/>
-              <a:t>02.06.2016</a:t>
+              <a:t>05.06.2016</a:t>
             </a:fld>
             <a:endParaRPr lang="uk-UA"/>
           </a:p>
@@ -1970,7 +1974,7 @@
             <a:fld id="{E5510EBA-A58D-4DBC-8C88-DEECA05D3E17}" type="datetimeFigureOut">
               <a:rPr lang="uk-UA" smtClean="0"/>
               <a:pPr/>
-              <a:t>02.06.2016</a:t>
+              <a:t>05.06.2016</a:t>
             </a:fld>
             <a:endParaRPr lang="uk-UA"/>
           </a:p>
@@ -2324,7 +2328,7 @@
             <a:fld id="{E5510EBA-A58D-4DBC-8C88-DEECA05D3E17}" type="datetimeFigureOut">
               <a:rPr lang="uk-UA" smtClean="0"/>
               <a:pPr/>
-              <a:t>02.06.2016</a:t>
+              <a:t>05.06.2016</a:t>
             </a:fld>
             <a:endParaRPr lang="uk-UA"/>
           </a:p>
@@ -2558,7 +2562,7 @@
             <a:fld id="{E5510EBA-A58D-4DBC-8C88-DEECA05D3E17}" type="datetimeFigureOut">
               <a:rPr lang="uk-UA" smtClean="0"/>
               <a:pPr/>
-              <a:t>02.06.2016</a:t>
+              <a:t>05.06.2016</a:t>
             </a:fld>
             <a:endParaRPr lang="uk-UA"/>
           </a:p>
@@ -2700,7 +2704,7 @@
             <a:fld id="{E5510EBA-A58D-4DBC-8C88-DEECA05D3E17}" type="datetimeFigureOut">
               <a:rPr lang="uk-UA" smtClean="0"/>
               <a:pPr/>
-              <a:t>02.06.2016</a:t>
+              <a:t>05.06.2016</a:t>
             </a:fld>
             <a:endParaRPr lang="uk-UA"/>
           </a:p>
@@ -2979,7 +2983,7 @@
             <a:fld id="{E5510EBA-A58D-4DBC-8C88-DEECA05D3E17}" type="datetimeFigureOut">
               <a:rPr lang="uk-UA" smtClean="0"/>
               <a:pPr/>
-              <a:t>02.06.2016</a:t>
+              <a:t>05.06.2016</a:t>
             </a:fld>
             <a:endParaRPr lang="uk-UA"/>
           </a:p>
@@ -3388,7 +3392,7 @@
             <a:fld id="{E5510EBA-A58D-4DBC-8C88-DEECA05D3E17}" type="datetimeFigureOut">
               <a:rPr lang="uk-UA" smtClean="0"/>
               <a:pPr/>
-              <a:t>02.06.2016</a:t>
+              <a:t>05.06.2016</a:t>
             </a:fld>
             <a:endParaRPr lang="uk-UA"/>
           </a:p>
@@ -3728,7 +3732,7 @@
             <a:fld id="{E5510EBA-A58D-4DBC-8C88-DEECA05D3E17}" type="datetimeFigureOut">
               <a:rPr lang="uk-UA" smtClean="0"/>
               <a:pPr/>
-              <a:t>02.06.2016</a:t>
+              <a:t>05.06.2016</a:t>
             </a:fld>
             <a:endParaRPr lang="uk-UA"/>
           </a:p>
@@ -4316,6 +4320,32 @@
           </a:p>
         </p:txBody>
       </p:sp>
+      <p:pic>
+        <p:nvPicPr>
+          <p:cNvPr id="1026" name="Picture 2" descr="D:\vitaliy\gof\lambda expression logo.png"/>
+          <p:cNvPicPr>
+            <a:picLocks noChangeAspect="1" noChangeArrowheads="1"/>
+          </p:cNvPicPr>
+          <p:nvPr/>
+        </p:nvPicPr>
+        <p:blipFill>
+          <a:blip r:embed="rId2" cstate="print"/>
+          <a:srcRect/>
+          <a:stretch>
+            <a:fillRect/>
+          </a:stretch>
+        </p:blipFill>
+        <p:spPr bwMode="auto">
+          <a:xfrm>
+            <a:off x="5099927" y="714356"/>
+            <a:ext cx="2748683" cy="2833694"/>
+          </a:xfrm>
+          <a:prstGeom prst="rect">
+            <a:avLst/>
+          </a:prstGeom>
+          <a:noFill/>
+        </p:spPr>
+      </p:pic>
     </p:spTree>
   </p:cSld>
   <p:clrMapOvr>
@@ -4506,7 +4536,7 @@
           <a:p>
             <a:r>
               <a:rPr lang="en-US" dirty="0" smtClean="0"/>
-              <a:t>Builder</a:t>
+              <a:t>Template method</a:t>
             </a:r>
             <a:endParaRPr lang="uk-UA" dirty="0"/>
           </a:p>
@@ -4514,7 +4544,7 @@
       </p:sp>
       <p:pic>
         <p:nvPicPr>
-          <p:cNvPr id="1026" name="Picture 2" descr="D:\vitaliy\gof\Шпаргалка по шаблонам проектирования _ Хабрахабр_files\Строитель.jpg"/>
+          <p:cNvPr id="8194" name="Picture 2" descr="D:\vitaliy\gof\Шпаргалка по шаблонам проектирования _ Хабрахабр_files\Шаблонній метод.jpg"/>
           <p:cNvPicPr>
             <a:picLocks noGrp="1" noChangeAspect="1" noChangeArrowheads="1"/>
           </p:cNvPicPr>
@@ -4531,8 +4561,8 @@
         </p:blipFill>
         <p:spPr bwMode="auto">
           <a:xfrm>
-            <a:off x="457200" y="1500174"/>
-            <a:ext cx="8229600" cy="3438243"/>
+            <a:off x="457200" y="1714488"/>
+            <a:ext cx="8229600" cy="3484114"/>
           </a:xfrm>
           <a:prstGeom prst="rect">
             <a:avLst/>
@@ -4542,7 +4572,7 @@
       </p:pic>
       <p:pic>
         <p:nvPicPr>
-          <p:cNvPr id="1029" name="Picture 5" descr="D:\vitaliy\gof\updated-stamp_gg68098777.jpg"/>
+          <p:cNvPr id="4" name="Picture 5" descr="D:\vitaliy\gof\updated-stamp_gg68098777.jpg"/>
           <p:cNvPicPr>
             <a:picLocks noChangeAspect="1" noChangeArrowheads="1"/>
           </p:cNvPicPr>
@@ -4575,7 +4605,7 @@
         <p:spPr>
           <a:xfrm>
             <a:off x="642910" y="5059932"/>
-            <a:ext cx="6357982" cy="646331"/>
+            <a:ext cx="6357982" cy="923330"/>
           </a:xfrm>
           <a:prstGeom prst="rect">
             <a:avLst/>
@@ -4596,12 +4626,9 @@
           <a:p>
             <a:r>
               <a:rPr lang="en-US" dirty="0" smtClean="0"/>
-              <a:t>Delegate building into function</a:t>
-            </a:r>
-            <a:r>
-              <a:rPr lang="en-US" b="1" i="1" dirty="0" smtClean="0"/>
-              <a:t> </a:t>
-            </a:r>
+              <a:t>Replace the abstract method polymorphism with composition, passing lambdas into the constructor.</a:t>
+            </a:r>
+            <a:endParaRPr lang="en-US" b="1" i="1" dirty="0" smtClean="0"/>
           </a:p>
         </p:txBody>
       </p:sp>
@@ -4647,7 +4674,7 @@
           <a:p>
             <a:r>
               <a:rPr lang="en-US" dirty="0" smtClean="0"/>
-              <a:t>Adapter</a:t>
+              <a:t>Builder</a:t>
             </a:r>
             <a:endParaRPr lang="uk-UA" dirty="0"/>
           </a:p>
@@ -4655,7 +4682,7 @@
       </p:sp>
       <p:pic>
         <p:nvPicPr>
-          <p:cNvPr id="3074" name="Picture 2" descr="D:\vitaliy\gof\Шпаргалка по шаблонам проектирования _ Хабрахабр_files\Адаптер.jpg"/>
+          <p:cNvPr id="1026" name="Picture 2" descr="D:\vitaliy\gof\Шпаргалка по шаблонам проектирования _ Хабрахабр_files\Строитель.jpg"/>
           <p:cNvPicPr>
             <a:picLocks noGrp="1" noChangeAspect="1" noChangeArrowheads="1"/>
           </p:cNvPicPr>
@@ -4672,8 +4699,8 @@
         </p:blipFill>
         <p:spPr bwMode="auto">
           <a:xfrm>
-            <a:off x="457200" y="1723700"/>
-            <a:ext cx="8229600" cy="3562688"/>
+            <a:off x="457200" y="1500174"/>
+            <a:ext cx="8229600" cy="3438243"/>
           </a:xfrm>
           <a:prstGeom prst="rect">
             <a:avLst/>
@@ -4683,7 +4710,7 @@
       </p:pic>
       <p:pic>
         <p:nvPicPr>
-          <p:cNvPr id="5" name="Picture 5" descr="D:\vitaliy\gof\updated-stamp_gg68098777.jpg"/>
+          <p:cNvPr id="1029" name="Picture 5" descr="D:\vitaliy\gof\updated-stamp_gg68098777.jpg"/>
           <p:cNvPicPr>
             <a:picLocks noChangeAspect="1" noChangeArrowheads="1"/>
           </p:cNvPicPr>
@@ -4709,14 +4736,14 @@
       </p:pic>
       <p:sp>
         <p:nvSpPr>
-          <p:cNvPr id="6" name="TextBox 5"/>
+          <p:cNvPr id="5" name="TextBox 4"/>
           <p:cNvSpPr txBox="1"/>
           <p:nvPr/>
         </p:nvSpPr>
         <p:spPr>
           <a:xfrm>
             <a:off x="642910" y="5059932"/>
-            <a:ext cx="6357982" cy="923330"/>
+            <a:ext cx="6357982" cy="646331"/>
           </a:xfrm>
           <a:prstGeom prst="rect">
             <a:avLst/>
@@ -4737,7 +4764,7 @@
           <a:p>
             <a:r>
               <a:rPr lang="en-US" dirty="0" smtClean="0"/>
-              <a:t>A lambda that calls a function with a different signature on some other object.</a:t>
+              <a:t>Delegate building into function</a:t>
             </a:r>
             <a:r>
               <a:rPr lang="en-US" b="1" i="1" dirty="0" smtClean="0"/>
@@ -4788,7 +4815,7 @@
           <a:p>
             <a:r>
               <a:rPr lang="en-US" dirty="0" smtClean="0"/>
-              <a:t>Proxy</a:t>
+              <a:t>Adapter</a:t>
             </a:r>
             <a:endParaRPr lang="uk-UA" dirty="0"/>
           </a:p>
@@ -4796,7 +4823,7 @@
       </p:sp>
       <p:pic>
         <p:nvPicPr>
-          <p:cNvPr id="4098" name="Picture 2" descr="D:\vitaliy\gof\Шпаргалка по шаблонам проектирования _ Хабрахабр_files\Прокси.jpg"/>
+          <p:cNvPr id="3074" name="Picture 2" descr="D:\vitaliy\gof\Шпаргалка по шаблонам проектирования _ Хабрахабр_files\Адаптер.jpg"/>
           <p:cNvPicPr>
             <a:picLocks noGrp="1" noChangeAspect="1" noChangeArrowheads="1"/>
           </p:cNvPicPr>
@@ -4813,8 +4840,8 @@
         </p:blipFill>
         <p:spPr bwMode="auto">
           <a:xfrm>
-            <a:off x="457200" y="1357298"/>
-            <a:ext cx="8229600" cy="3600006"/>
+            <a:off x="457200" y="1723700"/>
+            <a:ext cx="8229600" cy="3562688"/>
           </a:xfrm>
           <a:prstGeom prst="rect">
             <a:avLst/>
@@ -4824,7 +4851,7 @@
       </p:pic>
       <p:pic>
         <p:nvPicPr>
-          <p:cNvPr id="4099" name="Picture 3" descr="D:\vitaliy\gof\deprecated.png"/>
+          <p:cNvPr id="5" name="Picture 5" descr="D:\vitaliy\gof\updated-stamp_gg68098777.jpg"/>
           <p:cNvPicPr>
             <a:picLocks noChangeAspect="1" noChangeArrowheads="1"/>
           </p:cNvPicPr>
@@ -4832,15 +4859,15 @@
         </p:nvPicPr>
         <p:blipFill>
           <a:blip r:embed="rId3" cstate="print"/>
-          <a:srcRect/>
+          <a:srcRect r="714" b="9459"/>
           <a:stretch>
             <a:fillRect/>
           </a:stretch>
         </p:blipFill>
         <p:spPr bwMode="auto">
           <a:xfrm>
-            <a:off x="6000760" y="5622314"/>
-            <a:ext cx="3071834" cy="1164272"/>
+            <a:off x="7358082" y="5143512"/>
+            <a:ext cx="1738313" cy="1675783"/>
           </a:xfrm>
           <a:prstGeom prst="rect">
             <a:avLst/>
@@ -4850,14 +4877,14 @@
       </p:pic>
       <p:sp>
         <p:nvSpPr>
-          <p:cNvPr id="7" name="TextBox 6"/>
+          <p:cNvPr id="6" name="TextBox 5"/>
           <p:cNvSpPr txBox="1"/>
           <p:nvPr/>
         </p:nvSpPr>
         <p:spPr>
           <a:xfrm>
             <a:off x="642910" y="5059932"/>
-            <a:ext cx="6357982" cy="646331"/>
+            <a:ext cx="6357982" cy="923330"/>
           </a:xfrm>
           <a:prstGeom prst="rect">
             <a:avLst/>
@@ -4878,7 +4905,7 @@
           <a:p>
             <a:r>
               <a:rPr lang="en-US" dirty="0" smtClean="0"/>
-              <a:t>Don’t create proxy manually, use framework capabilities (AOP) </a:t>
+              <a:t>A lambda that calls a function with a different signature on some other object.</a:t>
             </a:r>
             <a:r>
               <a:rPr lang="en-US" b="1" i="1" dirty="0" smtClean="0"/>
@@ -4928,8 +4955,8 @@
           <a:lstStyle/>
           <a:p>
             <a:r>
-              <a:rPr lang="en-US" dirty="0" err="1" smtClean="0"/>
-              <a:t>Iterator</a:t>
+              <a:rPr lang="en-US" dirty="0" smtClean="0"/>
+              <a:t>Proxy</a:t>
             </a:r>
             <a:endParaRPr lang="uk-UA" dirty="0"/>
           </a:p>
@@ -4937,7 +4964,7 @@
       </p:sp>
       <p:pic>
         <p:nvPicPr>
-          <p:cNvPr id="5122" name="Picture 2" descr="D:\vitaliy\gof\Шпаргалка по шаблонам проектирования _ Хабрахабр_files\Итератор.jpg"/>
+          <p:cNvPr id="4098" name="Picture 2" descr="D:\vitaliy\gof\Шпаргалка по шаблонам проектирования _ Хабрахабр_files\Прокси.jpg"/>
           <p:cNvPicPr>
             <a:picLocks noGrp="1" noChangeAspect="1" noChangeArrowheads="1"/>
           </p:cNvPicPr>
@@ -4954,8 +4981,8 @@
         </p:blipFill>
         <p:spPr bwMode="auto">
           <a:xfrm>
-            <a:off x="457200" y="1558356"/>
-            <a:ext cx="8229600" cy="3484114"/>
+            <a:off x="457200" y="1357298"/>
+            <a:ext cx="8229600" cy="3600006"/>
           </a:xfrm>
           <a:prstGeom prst="rect">
             <a:avLst/>
@@ -4991,7 +5018,7 @@
       </p:pic>
       <p:sp>
         <p:nvSpPr>
-          <p:cNvPr id="6" name="TextBox 5"/>
+          <p:cNvPr id="7" name="TextBox 6"/>
           <p:cNvSpPr txBox="1"/>
           <p:nvPr/>
         </p:nvSpPr>
@@ -5019,13 +5046,12 @@
           <a:p>
             <a:r>
               <a:rPr lang="en-US" dirty="0" smtClean="0"/>
-              <a:t>Use Stream </a:t>
-            </a:r>
-            <a:r>
-              <a:rPr lang="en-US" dirty="0" err="1" smtClean="0"/>
-              <a:t>Api</a:t>
-            </a:r>
-            <a:endParaRPr lang="en-US" dirty="0" smtClean="0"/>
+              <a:t>Don’t create proxy manually, use framework capabilities (AOP) </a:t>
+            </a:r>
+            <a:r>
+              <a:rPr lang="en-US" b="1" i="1" dirty="0" smtClean="0"/>
+              <a:t> </a:t>
+            </a:r>
           </a:p>
         </p:txBody>
       </p:sp>
@@ -5070,8 +5096,8 @@
           <a:lstStyle/>
           <a:p>
             <a:r>
-              <a:rPr lang="en-US" dirty="0" smtClean="0"/>
-              <a:t>Singleton</a:t>
+              <a:rPr lang="en-US" dirty="0" err="1" smtClean="0"/>
+              <a:t>Iterator</a:t>
             </a:r>
             <a:endParaRPr lang="uk-UA" dirty="0"/>
           </a:p>
@@ -5079,7 +5105,7 @@
       </p:sp>
       <p:pic>
         <p:nvPicPr>
-          <p:cNvPr id="6146" name="Picture 2" descr="D:\vitaliy\gof\Шпаргалка по шаблонам проектирования _ Хабрахабр_files\Одиночка.jpg"/>
+          <p:cNvPr id="5122" name="Picture 2" descr="D:\vitaliy\gof\Шпаргалка по шаблонам проектирования _ Хабрахабр_files\Итератор.jpg"/>
           <p:cNvPicPr>
             <a:picLocks noGrp="1" noChangeAspect="1" noChangeArrowheads="1"/>
           </p:cNvPicPr>
@@ -5096,8 +5122,8 @@
         </p:blipFill>
         <p:spPr bwMode="auto">
           <a:xfrm>
-            <a:off x="457200" y="1928802"/>
-            <a:ext cx="8229600" cy="2587872"/>
+            <a:off x="457200" y="1558356"/>
+            <a:ext cx="8229600" cy="3484114"/>
           </a:xfrm>
           <a:prstGeom prst="rect">
             <a:avLst/>
@@ -5133,13 +5159,13 @@
       </p:pic>
       <p:sp>
         <p:nvSpPr>
-          <p:cNvPr id="7" name="TextBox 6"/>
+          <p:cNvPr id="6" name="TextBox 5"/>
           <p:cNvSpPr txBox="1"/>
           <p:nvPr/>
         </p:nvSpPr>
         <p:spPr>
           <a:xfrm>
-            <a:off x="642910" y="5143512"/>
+            <a:off x="642910" y="5059932"/>
             <a:ext cx="6357982" cy="646331"/>
           </a:xfrm>
           <a:prstGeom prst="rect">
@@ -5161,28 +5187,13 @@
           <a:p>
             <a:r>
               <a:rPr lang="en-US" dirty="0" smtClean="0"/>
-              <a:t>Use container </a:t>
+              <a:t>Use Stream </a:t>
             </a:r>
             <a:r>
               <a:rPr lang="en-US" dirty="0" err="1" smtClean="0"/>
               <a:t>Api</a:t>
             </a:r>
-            <a:r>
-              <a:rPr lang="en-US" dirty="0" smtClean="0"/>
-              <a:t> (Spring, JEE, etc). </a:t>
-            </a:r>
-            <a:r>
-              <a:rPr lang="en-US" dirty="0" err="1" smtClean="0"/>
-              <a:t>Refactor</a:t>
-            </a:r>
-            <a:r>
-              <a:rPr lang="en-US" dirty="0" smtClean="0"/>
-              <a:t> existing singletons  </a:t>
-            </a:r>
-            <a:r>
-              <a:rPr lang="en-US" b="1" i="1" dirty="0" smtClean="0"/>
-              <a:t> </a:t>
-            </a:r>
+            <a:endParaRPr lang="en-US" dirty="0" smtClean="0"/>
           </a:p>
         </p:txBody>
       </p:sp>
@@ -5228,137 +5239,59 @@
           <a:p>
             <a:r>
               <a:rPr lang="en-US" dirty="0" smtClean="0"/>
-              <a:t>Resource management</a:t>
-            </a:r>
-            <a:endParaRPr lang="uk-UA" dirty="0"/>
-          </a:p>
-        </p:txBody>
-      </p:sp>
-      <p:sp>
-        <p:nvSpPr>
-          <p:cNvPr id="3" name="Текст 2"/>
-          <p:cNvSpPr>
-            <a:spLocks noGrp="1"/>
-          </p:cNvSpPr>
-          <p:nvPr>
-            <p:ph type="body" idx="1"/>
-          </p:nvPr>
-        </p:nvSpPr>
-        <p:spPr/>
-        <p:txBody>
-          <a:bodyPr/>
-          <a:lstStyle/>
-          <a:p>
-            <a:r>
-              <a:rPr lang="en-US" dirty="0" smtClean="0"/>
-              <a:t>Java 7 ARM</a:t>
-            </a:r>
-            <a:endParaRPr lang="uk-UA" dirty="0"/>
-          </a:p>
-        </p:txBody>
-      </p:sp>
-      <p:sp>
-        <p:nvSpPr>
-          <p:cNvPr id="5" name="Текст 4"/>
-          <p:cNvSpPr>
-            <a:spLocks noGrp="1"/>
-          </p:cNvSpPr>
-          <p:nvPr>
-            <p:ph type="body" sz="half" idx="3"/>
-          </p:nvPr>
-        </p:nvSpPr>
-        <p:spPr/>
-        <p:txBody>
-          <a:bodyPr>
-            <a:normAutofit/>
-          </a:bodyPr>
-          <a:lstStyle/>
-          <a:p>
-            <a:r>
-              <a:rPr lang="en-US" dirty="0" smtClean="0"/>
-              <a:t>Around method pattern</a:t>
-            </a:r>
-            <a:endParaRPr lang="uk-UA" dirty="0"/>
-          </a:p>
-        </p:txBody>
-      </p:sp>
-      <p:sp>
-        <p:nvSpPr>
-          <p:cNvPr id="4" name="Содержимое 3"/>
-          <p:cNvSpPr>
-            <a:spLocks noGrp="1"/>
-          </p:cNvSpPr>
-          <p:nvPr>
-            <p:ph sz="quarter" idx="2"/>
-          </p:nvPr>
-        </p:nvSpPr>
-        <p:spPr/>
-        <p:txBody>
-          <a:bodyPr/>
-          <a:lstStyle/>
-          <a:p>
-            <a:r>
-              <a:rPr lang="en-US" dirty="0" smtClean="0"/>
-              <a:t>try is not mandatory, easy to forget</a:t>
-            </a:r>
-          </a:p>
-          <a:p>
-            <a:r>
-              <a:rPr lang="en-US" dirty="0" err="1" smtClean="0"/>
-              <a:t>AutoClosable</a:t>
-            </a:r>
-            <a:r>
-              <a:rPr lang="en-US" dirty="0" smtClean="0"/>
-              <a:t> interface – doesn’t  insist  on executing close method</a:t>
-            </a:r>
-            <a:endParaRPr lang="uk-UA" dirty="0"/>
-          </a:p>
-        </p:txBody>
-      </p:sp>
-      <p:sp>
-        <p:nvSpPr>
-          <p:cNvPr id="6" name="Содержимое 5"/>
-          <p:cNvSpPr>
-            <a:spLocks noGrp="1"/>
-          </p:cNvSpPr>
-          <p:nvPr>
-            <p:ph sz="quarter" idx="4"/>
-          </p:nvPr>
-        </p:nvSpPr>
-        <p:spPr/>
-        <p:txBody>
-          <a:bodyPr/>
-          <a:lstStyle/>
-          <a:p>
-            <a:r>
-              <a:rPr lang="en-US" dirty="0" smtClean="0"/>
-              <a:t>private constructor – can’t get  resource and never close it.</a:t>
-            </a:r>
-          </a:p>
-          <a:p>
+              <a:t>Singleton</a:t>
+            </a:r>
             <a:endParaRPr lang="uk-UA" dirty="0"/>
           </a:p>
         </p:txBody>
       </p:sp>
       <p:pic>
         <p:nvPicPr>
-          <p:cNvPr id="7" name="Picture 5" descr="D:\vitaliy\gof\updated-stamp_gg68098777.jpg"/>
+          <p:cNvPr id="6146" name="Picture 2" descr="D:\vitaliy\gof\Шпаргалка по шаблонам проектирования _ Хабрахабр_files\Одиночка.jpg"/>
+          <p:cNvPicPr>
+            <a:picLocks noGrp="1" noChangeAspect="1" noChangeArrowheads="1"/>
+          </p:cNvPicPr>
+          <p:nvPr>
+            <p:ph sz="quarter" idx="1"/>
+          </p:nvPr>
+        </p:nvPicPr>
+        <p:blipFill>
+          <a:blip r:embed="rId2" cstate="print"/>
+          <a:srcRect/>
+          <a:stretch>
+            <a:fillRect/>
+          </a:stretch>
+        </p:blipFill>
+        <p:spPr bwMode="auto">
+          <a:xfrm>
+            <a:off x="457200" y="1928802"/>
+            <a:ext cx="8229600" cy="2587872"/>
+          </a:xfrm>
+          <a:prstGeom prst="rect">
+            <a:avLst/>
+          </a:prstGeom>
+          <a:noFill/>
+        </p:spPr>
+      </p:pic>
+      <p:pic>
+        <p:nvPicPr>
+          <p:cNvPr id="4099" name="Picture 3" descr="D:\vitaliy\gof\deprecated.png"/>
           <p:cNvPicPr>
             <a:picLocks noChangeAspect="1" noChangeArrowheads="1"/>
           </p:cNvPicPr>
           <p:nvPr/>
         </p:nvPicPr>
         <p:blipFill>
-          <a:blip r:embed="rId2" cstate="print"/>
-          <a:srcRect r="714" b="9459"/>
+          <a:blip r:embed="rId3" cstate="print"/>
+          <a:srcRect/>
           <a:stretch>
             <a:fillRect/>
           </a:stretch>
         </p:blipFill>
         <p:spPr bwMode="auto">
           <a:xfrm>
-            <a:off x="7358082" y="5143512"/>
-            <a:ext cx="1738313" cy="1675783"/>
+            <a:off x="6000760" y="5622314"/>
+            <a:ext cx="3071834" cy="1164272"/>
           </a:xfrm>
           <a:prstGeom prst="rect">
             <a:avLst/>
@@ -5366,6 +5299,61 @@
           <a:noFill/>
         </p:spPr>
       </p:pic>
+      <p:sp>
+        <p:nvSpPr>
+          <p:cNvPr id="7" name="TextBox 6"/>
+          <p:cNvSpPr txBox="1"/>
+          <p:nvPr/>
+        </p:nvSpPr>
+        <p:spPr>
+          <a:xfrm>
+            <a:off x="642910" y="5143512"/>
+            <a:ext cx="6357982" cy="646331"/>
+          </a:xfrm>
+          <a:prstGeom prst="rect">
+            <a:avLst/>
+          </a:prstGeom>
+          <a:noFill/>
+        </p:spPr>
+        <p:txBody>
+          <a:bodyPr wrap="square" rtlCol="0">
+            <a:spAutoFit/>
+          </a:bodyPr>
+          <a:lstStyle/>
+          <a:p>
+            <a:r>
+              <a:rPr lang="en-US" b="1" i="1" dirty="0" smtClean="0"/>
+              <a:t>Java 8 style:</a:t>
+            </a:r>
+          </a:p>
+          <a:p>
+            <a:r>
+              <a:rPr lang="en-US" dirty="0" smtClean="0"/>
+              <a:t>Use container </a:t>
+            </a:r>
+            <a:r>
+              <a:rPr lang="en-US" dirty="0" err="1" smtClean="0"/>
+              <a:t>Api</a:t>
+            </a:r>
+            <a:r>
+              <a:rPr lang="en-US" dirty="0" smtClean="0"/>
+              <a:t> (Spring, JEE, etc). </a:t>
+            </a:r>
+            <a:r>
+              <a:rPr lang="en-US" dirty="0" err="1" smtClean="0"/>
+              <a:t>Refactor</a:t>
+            </a:r>
+            <a:r>
+              <a:rPr lang="en-US" dirty="0" smtClean="0"/>
+              <a:t> existing singletons  </a:t>
+            </a:r>
+            <a:r>
+              <a:rPr lang="en-US" b="1" i="1" dirty="0" smtClean="0"/>
+              <a:t> </a:t>
+            </a:r>
+          </a:p>
+        </p:txBody>
+      </p:sp>
     </p:spTree>
   </p:cSld>
   <p:clrMapOvr>
@@ -5408,7 +5396,7 @@
           <a:p>
             <a:r>
               <a:rPr lang="en-US" dirty="0" smtClean="0"/>
-              <a:t>Links</a:t>
+              <a:t>Resource management</a:t>
             </a:r>
             <a:endParaRPr lang="uk-UA" dirty="0"/>
           </a:p>
@@ -5416,12 +5404,35 @@
       </p:sp>
       <p:sp>
         <p:nvSpPr>
-          <p:cNvPr id="3" name="Содержимое 2"/>
-          <p:cNvSpPr>
-            <a:spLocks noGrp="1"/>
-          </p:cNvSpPr>
-          <p:nvPr>
-            <p:ph sz="quarter" idx="1"/>
+          <p:cNvPr id="3" name="Текст 2"/>
+          <p:cNvSpPr>
+            <a:spLocks noGrp="1"/>
+          </p:cNvSpPr>
+          <p:nvPr>
+            <p:ph type="body" idx="1"/>
+          </p:nvPr>
+        </p:nvSpPr>
+        <p:spPr/>
+        <p:txBody>
+          <a:bodyPr/>
+          <a:lstStyle/>
+          <a:p>
+            <a:r>
+              <a:rPr lang="en-US" dirty="0" smtClean="0"/>
+              <a:t>Java 7 ARM</a:t>
+            </a:r>
+            <a:endParaRPr lang="uk-UA" dirty="0"/>
+          </a:p>
+        </p:txBody>
+      </p:sp>
+      <p:sp>
+        <p:nvSpPr>
+          <p:cNvPr id="5" name="Текст 4"/>
+          <p:cNvSpPr>
+            <a:spLocks noGrp="1"/>
+          </p:cNvSpPr>
+          <p:nvPr>
+            <p:ph type="body" sz="half" idx="3"/>
           </p:nvPr>
         </p:nvSpPr>
         <p:spPr/>
@@ -5432,74 +5443,97 @@
           <a:lstStyle/>
           <a:p>
             <a:r>
-              <a:rPr lang="en-US" sz="2700" dirty="0" smtClean="0">
-                <a:hlinkClick r:id="rId2"/>
-              </a:rPr>
-              <a:t>https://www.youtube.com/watch?v=hjmQWZTH2oQ</a:t>
-            </a:r>
-            <a:endParaRPr lang="en-US" sz="2700" dirty="0" smtClean="0"/>
-          </a:p>
-          <a:p>
-            <a:r>
-              <a:rPr lang="en-US" sz="2700" dirty="0" smtClean="0">
-                <a:hlinkClick r:id="rId3"/>
-              </a:rPr>
-              <a:t>https://</a:t>
-            </a:r>
-            <a:r>
-              <a:rPr lang="en-US" sz="2700" dirty="0" smtClean="0">
-                <a:hlinkClick r:id="rId3"/>
-              </a:rPr>
-              <a:t>www.youtube.com/watch?v=e4MT_OguDKg</a:t>
-            </a:r>
-            <a:r>
-              <a:rPr lang="uk-UA" sz="2700" dirty="0" smtClean="0"/>
-              <a:t> </a:t>
-            </a:r>
-            <a:endParaRPr lang="en-US" sz="2700" dirty="0" smtClean="0"/>
-          </a:p>
-          <a:p>
-            <a:r>
-              <a:rPr lang="en-US" sz="2700" dirty="0" smtClean="0">
-                <a:hlinkClick r:id="rId4"/>
-              </a:rPr>
-              <a:t>http://radar.oreilly.com/2014/12/using-the-command-pattern-with-lambda-expressions.html</a:t>
-            </a:r>
-            <a:endParaRPr lang="en-US" sz="2700" dirty="0" smtClean="0"/>
-          </a:p>
-          <a:p>
-            <a:r>
-              <a:rPr lang="en-US" sz="2700" dirty="0" smtClean="0">
-                <a:hlinkClick r:id="rId5"/>
-              </a:rPr>
-              <a:t>http://shop.oreilly.com/product/0636920030713.do</a:t>
-            </a:r>
-            <a:endParaRPr lang="en-US" sz="2700" dirty="0" smtClean="0"/>
-          </a:p>
-          <a:p>
-            <a:r>
-              <a:rPr lang="en-US" sz="2700" dirty="0" smtClean="0">
-                <a:hlinkClick r:id="rId6"/>
-              </a:rPr>
-              <a:t>http://www.grahamlea.com/2014/07/lambda-design-patterns-java-8</a:t>
-            </a:r>
-            <a:r>
-              <a:rPr lang="en-US" sz="2700" dirty="0" smtClean="0">
-                <a:hlinkClick r:id="rId6"/>
-              </a:rPr>
-              <a:t>/</a:t>
-            </a:r>
-            <a:r>
-              <a:rPr lang="uk-UA" sz="2700" dirty="0" smtClean="0"/>
-              <a:t> </a:t>
-            </a:r>
-            <a:endParaRPr lang="en-US" sz="2700" dirty="0" smtClean="0"/>
-          </a:p>
-          <a:p>
+              <a:rPr lang="en-US" dirty="0" smtClean="0"/>
+              <a:t>Around method pattern</a:t>
+            </a:r>
             <a:endParaRPr lang="uk-UA" dirty="0"/>
           </a:p>
         </p:txBody>
       </p:sp>
+      <p:sp>
+        <p:nvSpPr>
+          <p:cNvPr id="4" name="Содержимое 3"/>
+          <p:cNvSpPr>
+            <a:spLocks noGrp="1"/>
+          </p:cNvSpPr>
+          <p:nvPr>
+            <p:ph sz="quarter" idx="2"/>
+          </p:nvPr>
+        </p:nvSpPr>
+        <p:spPr/>
+        <p:txBody>
+          <a:bodyPr/>
+          <a:lstStyle/>
+          <a:p>
+            <a:r>
+              <a:rPr lang="en-US" dirty="0" smtClean="0"/>
+              <a:t>try is not mandatory, easy to forget</a:t>
+            </a:r>
+          </a:p>
+          <a:p>
+            <a:r>
+              <a:rPr lang="en-US" dirty="0" err="1" smtClean="0"/>
+              <a:t>AutoClosable</a:t>
+            </a:r>
+            <a:r>
+              <a:rPr lang="en-US" dirty="0" smtClean="0"/>
+              <a:t> interface – doesn’t  insist  on executing close method</a:t>
+            </a:r>
+            <a:endParaRPr lang="uk-UA" dirty="0"/>
+          </a:p>
+        </p:txBody>
+      </p:sp>
+      <p:sp>
+        <p:nvSpPr>
+          <p:cNvPr id="6" name="Содержимое 5"/>
+          <p:cNvSpPr>
+            <a:spLocks noGrp="1"/>
+          </p:cNvSpPr>
+          <p:nvPr>
+            <p:ph sz="quarter" idx="4"/>
+          </p:nvPr>
+        </p:nvSpPr>
+        <p:spPr/>
+        <p:txBody>
+          <a:bodyPr/>
+          <a:lstStyle/>
+          <a:p>
+            <a:r>
+              <a:rPr lang="en-US" dirty="0" smtClean="0"/>
+              <a:t>private constructor – can’t get  resource and never close it.</a:t>
+            </a:r>
+          </a:p>
+          <a:p>
+            <a:endParaRPr lang="uk-UA" dirty="0"/>
+          </a:p>
+        </p:txBody>
+      </p:sp>
+      <p:pic>
+        <p:nvPicPr>
+          <p:cNvPr id="7" name="Picture 5" descr="D:\vitaliy\gof\updated-stamp_gg68098777.jpg"/>
+          <p:cNvPicPr>
+            <a:picLocks noChangeAspect="1" noChangeArrowheads="1"/>
+          </p:cNvPicPr>
+          <p:nvPr/>
+        </p:nvPicPr>
+        <p:blipFill>
+          <a:blip r:embed="rId2" cstate="print"/>
+          <a:srcRect r="714" b="9459"/>
+          <a:stretch>
+            <a:fillRect/>
+          </a:stretch>
+        </p:blipFill>
+        <p:spPr bwMode="auto">
+          <a:xfrm>
+            <a:off x="7358082" y="5143512"/>
+            <a:ext cx="1738313" cy="1675783"/>
+          </a:xfrm>
+          <a:prstGeom prst="rect">
+            <a:avLst/>
+          </a:prstGeom>
+          <a:noFill/>
+        </p:spPr>
+      </p:pic>
     </p:spTree>
   </p:cSld>
   <p:clrMapOvr>
@@ -5535,21 +5569,1225 @@
             <p:ph type="title"/>
           </p:nvPr>
         </p:nvSpPr>
-        <p:spPr>
-          <a:xfrm>
-            <a:off x="428596" y="2071678"/>
-            <a:ext cx="8229600" cy="1143000"/>
-          </a:xfrm>
-        </p:spPr>
+        <p:spPr/>
         <p:txBody>
           <a:bodyPr/>
           <a:lstStyle/>
           <a:p>
             <a:r>
-              <a:rPr lang="en-US" sz="5000" dirty="0" smtClean="0"/>
-              <a:t>Questions</a:t>
-            </a:r>
-            <a:endParaRPr lang="uk-UA" sz="5000" dirty="0"/>
+              <a:rPr lang="en-US" dirty="0" smtClean="0"/>
+              <a:t>Optional </a:t>
+            </a:r>
+            <a:r>
+              <a:rPr lang="en-US" dirty="0" err="1" smtClean="0"/>
+              <a:t>Api</a:t>
+            </a:r>
+            <a:endParaRPr lang="uk-UA" dirty="0"/>
+          </a:p>
+        </p:txBody>
+      </p:sp>
+      <p:sp>
+        <p:nvSpPr>
+          <p:cNvPr id="3" name="Текст 2"/>
+          <p:cNvSpPr>
+            <a:spLocks noGrp="1"/>
+          </p:cNvSpPr>
+          <p:nvPr>
+            <p:ph type="body" idx="1"/>
+          </p:nvPr>
+        </p:nvSpPr>
+        <p:spPr>
+          <a:xfrm>
+            <a:off x="457200" y="1214422"/>
+            <a:ext cx="4040188" cy="542939"/>
+          </a:xfrm>
+        </p:spPr>
+        <p:txBody>
+          <a:bodyPr/>
+          <a:lstStyle/>
+          <a:p>
+            <a:pPr algn="ctr"/>
+            <a:r>
+              <a:rPr lang="en-US" dirty="0" smtClean="0"/>
+              <a:t>Wrong usage</a:t>
+            </a:r>
+            <a:endParaRPr lang="uk-UA" dirty="0"/>
+          </a:p>
+        </p:txBody>
+      </p:sp>
+      <p:sp>
+        <p:nvSpPr>
+          <p:cNvPr id="4" name="Текст 3"/>
+          <p:cNvSpPr>
+            <a:spLocks noGrp="1"/>
+          </p:cNvSpPr>
+          <p:nvPr>
+            <p:ph type="body" sz="half" idx="3"/>
+          </p:nvPr>
+        </p:nvSpPr>
+        <p:spPr>
+          <a:xfrm>
+            <a:off x="4648200" y="1285860"/>
+            <a:ext cx="4041775" cy="481026"/>
+          </a:xfrm>
+        </p:spPr>
+        <p:txBody>
+          <a:bodyPr/>
+          <a:lstStyle/>
+          <a:p>
+            <a:pPr algn="ctr"/>
+            <a:r>
+              <a:rPr lang="en-US" dirty="0" smtClean="0"/>
+              <a:t>Correct usage</a:t>
+            </a:r>
+            <a:endParaRPr lang="uk-UA" dirty="0"/>
+          </a:p>
+        </p:txBody>
+      </p:sp>
+      <p:sp>
+        <p:nvSpPr>
+          <p:cNvPr id="5" name="Содержимое 4"/>
+          <p:cNvSpPr>
+            <a:spLocks noGrp="1"/>
+          </p:cNvSpPr>
+          <p:nvPr>
+            <p:ph sz="quarter" idx="2"/>
+          </p:nvPr>
+        </p:nvSpPr>
+        <p:spPr>
+          <a:xfrm>
+            <a:off x="214282" y="2071678"/>
+            <a:ext cx="4281518" cy="4100522"/>
+          </a:xfrm>
+        </p:spPr>
+        <p:txBody>
+          <a:bodyPr>
+            <a:normAutofit/>
+          </a:bodyPr>
+          <a:lstStyle/>
+          <a:p>
+            <a:pPr>
+              <a:buNone/>
+            </a:pPr>
+            <a:r>
+              <a:rPr lang="en-US" dirty="0" smtClean="0"/>
+              <a:t/>
+            </a:r>
+            <a:br>
+              <a:rPr lang="en-US" dirty="0" smtClean="0"/>
+            </a:br>
+            <a:endParaRPr lang="en-US" dirty="0" smtClean="0"/>
+          </a:p>
+          <a:p>
+            <a:endParaRPr lang="en-US" sz="1400" dirty="0" smtClean="0"/>
+          </a:p>
+          <a:p>
+            <a:endParaRPr lang="en-US" sz="1400" dirty="0" smtClean="0"/>
+          </a:p>
+          <a:p>
+            <a:endParaRPr lang="en-US" sz="1400" dirty="0" smtClean="0"/>
+          </a:p>
+          <a:p>
+            <a:endParaRPr lang="en-US" sz="1400" dirty="0" smtClean="0"/>
+          </a:p>
+          <a:p>
+            <a:endParaRPr lang="en-US" sz="1400" dirty="0" smtClean="0"/>
+          </a:p>
+          <a:p>
+            <a:endParaRPr lang="en-US" sz="1400" dirty="0" smtClean="0"/>
+          </a:p>
+          <a:p>
+            <a:r>
+              <a:rPr lang="en-US" sz="1400" dirty="0" smtClean="0"/>
+              <a:t>Optional&lt;Integer&gt; result;</a:t>
+            </a:r>
+            <a:br>
+              <a:rPr lang="en-US" sz="1400" dirty="0" smtClean="0"/>
+            </a:br>
+            <a:r>
+              <a:rPr lang="en-US" sz="1400" dirty="0" smtClean="0"/>
+              <a:t>if(</a:t>
+            </a:r>
+            <a:r>
+              <a:rPr lang="en-US" sz="1400" dirty="0" err="1" smtClean="0"/>
+              <a:t>some.isPresent</a:t>
+            </a:r>
+            <a:r>
+              <a:rPr lang="en-US" sz="1400" dirty="0" smtClean="0"/>
+              <a:t>()) {</a:t>
+            </a:r>
+            <a:br>
+              <a:rPr lang="en-US" sz="1400" dirty="0" smtClean="0"/>
+            </a:br>
+            <a:r>
+              <a:rPr lang="en-US" sz="1400" dirty="0" smtClean="0"/>
+              <a:t>    result = </a:t>
+            </a:r>
+            <a:r>
+              <a:rPr lang="en-US" sz="1400" dirty="0" err="1" smtClean="0"/>
+              <a:t>Optional.</a:t>
+            </a:r>
+            <a:r>
+              <a:rPr lang="en-US" sz="1400" i="1" dirty="0" err="1" smtClean="0"/>
+              <a:t>of</a:t>
+            </a:r>
+            <a:r>
+              <a:rPr lang="en-US" sz="1400" dirty="0" smtClean="0"/>
+              <a:t>(</a:t>
+            </a:r>
+            <a:r>
+              <a:rPr lang="en-US" sz="1400" dirty="0" err="1" smtClean="0"/>
+              <a:t>some.get</a:t>
+            </a:r>
+            <a:r>
+              <a:rPr lang="en-US" sz="1400" dirty="0" smtClean="0"/>
+              <a:t>() + 1);</a:t>
+            </a:r>
+            <a:br>
+              <a:rPr lang="en-US" sz="1400" dirty="0" smtClean="0"/>
+            </a:br>
+            <a:r>
+              <a:rPr lang="en-US" sz="1400" dirty="0" smtClean="0"/>
+              <a:t>} else {</a:t>
+            </a:r>
+            <a:br>
+              <a:rPr lang="en-US" sz="1400" dirty="0" smtClean="0"/>
+            </a:br>
+            <a:r>
+              <a:rPr lang="en-US" sz="1400" dirty="0" smtClean="0"/>
+              <a:t>    result = </a:t>
+            </a:r>
+            <a:r>
+              <a:rPr lang="en-US" sz="1400" dirty="0" err="1" smtClean="0"/>
+              <a:t>Optional.</a:t>
+            </a:r>
+            <a:r>
+              <a:rPr lang="en-US" sz="1400" i="1" dirty="0" err="1" smtClean="0"/>
+              <a:t>empty</a:t>
+            </a:r>
+            <a:r>
+              <a:rPr lang="en-US" sz="1400" dirty="0" smtClean="0"/>
+              <a:t>();</a:t>
+            </a:r>
+            <a:br>
+              <a:rPr lang="en-US" sz="1400" dirty="0" smtClean="0"/>
+            </a:br>
+            <a:r>
+              <a:rPr lang="en-US" sz="1400" dirty="0" smtClean="0"/>
+              <a:t>}</a:t>
+            </a:r>
+            <a:endParaRPr lang="uk-UA" sz="1400" dirty="0"/>
+          </a:p>
+        </p:txBody>
+      </p:sp>
+      <p:sp>
+        <p:nvSpPr>
+          <p:cNvPr id="6" name="Содержимое 5"/>
+          <p:cNvSpPr>
+            <a:spLocks noGrp="1"/>
+          </p:cNvSpPr>
+          <p:nvPr>
+            <p:ph sz="quarter" idx="4"/>
+          </p:nvPr>
+        </p:nvSpPr>
+        <p:spPr/>
+        <p:txBody>
+          <a:bodyPr>
+            <a:normAutofit/>
+          </a:bodyPr>
+          <a:lstStyle/>
+          <a:p>
+            <a:pPr>
+              <a:buNone/>
+            </a:pPr>
+            <a:endParaRPr lang="en-US" sz="1400" dirty="0" smtClean="0"/>
+          </a:p>
+          <a:p>
+            <a:pPr>
+              <a:buNone/>
+            </a:pPr>
+            <a:endParaRPr lang="en-US" sz="1400" dirty="0" smtClean="0"/>
+          </a:p>
+          <a:p>
+            <a:pPr>
+              <a:buNone/>
+            </a:pPr>
+            <a:endParaRPr lang="en-US" sz="1400" dirty="0" smtClean="0"/>
+          </a:p>
+          <a:p>
+            <a:pPr>
+              <a:buNone/>
+            </a:pPr>
+            <a:endParaRPr lang="en-US" sz="1400" dirty="0" smtClean="0"/>
+          </a:p>
+          <a:p>
+            <a:pPr>
+              <a:buNone/>
+            </a:pPr>
+            <a:endParaRPr lang="en-US" sz="1400" dirty="0" smtClean="0"/>
+          </a:p>
+          <a:p>
+            <a:pPr>
+              <a:buNone/>
+            </a:pPr>
+            <a:endParaRPr lang="en-US" sz="1400" dirty="0" smtClean="0"/>
+          </a:p>
+          <a:p>
+            <a:pPr>
+              <a:buNone/>
+            </a:pPr>
+            <a:endParaRPr lang="en-US" sz="1400" dirty="0" smtClean="0"/>
+          </a:p>
+          <a:p>
+            <a:pPr>
+              <a:buNone/>
+            </a:pPr>
+            <a:endParaRPr lang="en-US" sz="1400" dirty="0" smtClean="0"/>
+          </a:p>
+          <a:p>
+            <a:pPr>
+              <a:buNone/>
+            </a:pPr>
+            <a:endParaRPr lang="en-US" sz="1400" dirty="0" smtClean="0"/>
+          </a:p>
+          <a:p>
+            <a:pPr>
+              <a:buNone/>
+            </a:pPr>
+            <a:r>
+              <a:rPr lang="en-US" sz="1400" dirty="0" smtClean="0"/>
+              <a:t>Optional&lt;Integer&gt; some = </a:t>
+            </a:r>
+            <a:r>
+              <a:rPr lang="en-US" sz="1400" dirty="0" err="1" smtClean="0"/>
+              <a:t>Optional.</a:t>
+            </a:r>
+            <a:r>
+              <a:rPr lang="en-US" sz="1400" i="1" dirty="0" err="1" smtClean="0"/>
+              <a:t>of</a:t>
+            </a:r>
+            <a:r>
+              <a:rPr lang="en-US" sz="1400" dirty="0" smtClean="0"/>
+              <a:t>(100);</a:t>
+            </a:r>
+          </a:p>
+          <a:p>
+            <a:pPr>
+              <a:buNone/>
+            </a:pPr>
+            <a:r>
+              <a:rPr lang="en-US" sz="1400" dirty="0" smtClean="0"/>
+              <a:t>Optional&lt;Integer&gt; result = some.map(</a:t>
+            </a:r>
+            <a:r>
+              <a:rPr lang="en-US" sz="1400" dirty="0" err="1" smtClean="0"/>
+              <a:t>i</a:t>
+            </a:r>
+            <a:r>
+              <a:rPr lang="en-US" sz="1400" dirty="0" smtClean="0"/>
+              <a:t> -&gt; </a:t>
+            </a:r>
+            <a:r>
+              <a:rPr lang="en-US" sz="1400" dirty="0" err="1" smtClean="0"/>
+              <a:t>i</a:t>
+            </a:r>
+            <a:r>
+              <a:rPr lang="en-US" sz="1400" dirty="0" smtClean="0"/>
+              <a:t> + 1);</a:t>
+            </a:r>
+            <a:endParaRPr lang="uk-UA" sz="1400" dirty="0"/>
+          </a:p>
+        </p:txBody>
+      </p:sp>
+      <p:sp>
+        <p:nvSpPr>
+          <p:cNvPr id="8" name="Овал 7"/>
+          <p:cNvSpPr/>
+          <p:nvPr/>
+        </p:nvSpPr>
+        <p:spPr>
+          <a:xfrm>
+            <a:off x="142844" y="1928802"/>
+            <a:ext cx="642942" cy="571504"/>
+          </a:xfrm>
+          <a:prstGeom prst="ellipse">
+            <a:avLst/>
+          </a:prstGeom>
+        </p:spPr>
+        <p:style>
+          <a:lnRef idx="2">
+            <a:schemeClr val="accent1">
+              <a:shade val="50000"/>
+            </a:schemeClr>
+          </a:lnRef>
+          <a:fillRef idx="1">
+            <a:schemeClr val="accent1"/>
+          </a:fillRef>
+          <a:effectRef idx="0">
+            <a:schemeClr val="accent1"/>
+          </a:effectRef>
+          <a:fontRef idx="minor">
+            <a:schemeClr val="lt1"/>
+          </a:fontRef>
+        </p:style>
+        <p:txBody>
+          <a:bodyPr rtlCol="0" anchor="ctr"/>
+          <a:lstStyle/>
+          <a:p>
+            <a:pPr algn="ctr"/>
+            <a:endParaRPr lang="uk-UA"/>
+          </a:p>
+        </p:txBody>
+      </p:sp>
+      <p:sp>
+        <p:nvSpPr>
+          <p:cNvPr id="9" name="Овал 8"/>
+          <p:cNvSpPr/>
+          <p:nvPr/>
+        </p:nvSpPr>
+        <p:spPr>
+          <a:xfrm>
+            <a:off x="1000100" y="3071810"/>
+            <a:ext cx="642942" cy="571504"/>
+          </a:xfrm>
+          <a:prstGeom prst="ellipse">
+            <a:avLst/>
+          </a:prstGeom>
+        </p:spPr>
+        <p:style>
+          <a:lnRef idx="2">
+            <a:schemeClr val="accent1">
+              <a:shade val="50000"/>
+            </a:schemeClr>
+          </a:lnRef>
+          <a:fillRef idx="1">
+            <a:schemeClr val="accent1"/>
+          </a:fillRef>
+          <a:effectRef idx="0">
+            <a:schemeClr val="accent1"/>
+          </a:effectRef>
+          <a:fontRef idx="minor">
+            <a:schemeClr val="lt1"/>
+          </a:fontRef>
+        </p:style>
+        <p:txBody>
+          <a:bodyPr rtlCol="0" anchor="ctr"/>
+          <a:lstStyle/>
+          <a:p>
+            <a:pPr algn="ctr"/>
+            <a:endParaRPr lang="uk-UA"/>
+          </a:p>
+        </p:txBody>
+      </p:sp>
+      <p:sp>
+        <p:nvSpPr>
+          <p:cNvPr id="10" name="Овал 9"/>
+          <p:cNvSpPr/>
+          <p:nvPr/>
+        </p:nvSpPr>
+        <p:spPr>
+          <a:xfrm>
+            <a:off x="2285984" y="3071810"/>
+            <a:ext cx="642942" cy="571504"/>
+          </a:xfrm>
+          <a:prstGeom prst="ellipse">
+            <a:avLst/>
+          </a:prstGeom>
+        </p:spPr>
+        <p:style>
+          <a:lnRef idx="2">
+            <a:schemeClr val="accent1">
+              <a:shade val="50000"/>
+            </a:schemeClr>
+          </a:lnRef>
+          <a:fillRef idx="1">
+            <a:schemeClr val="accent1"/>
+          </a:fillRef>
+          <a:effectRef idx="0">
+            <a:schemeClr val="accent1"/>
+          </a:effectRef>
+          <a:fontRef idx="minor">
+            <a:schemeClr val="lt1"/>
+          </a:fontRef>
+        </p:style>
+        <p:txBody>
+          <a:bodyPr rtlCol="0" anchor="ctr"/>
+          <a:lstStyle/>
+          <a:p>
+            <a:pPr algn="ctr"/>
+            <a:endParaRPr lang="uk-UA"/>
+          </a:p>
+        </p:txBody>
+      </p:sp>
+      <p:sp>
+        <p:nvSpPr>
+          <p:cNvPr id="11" name="Овал 10"/>
+          <p:cNvSpPr/>
+          <p:nvPr/>
+        </p:nvSpPr>
+        <p:spPr>
+          <a:xfrm>
+            <a:off x="3214678" y="1928802"/>
+            <a:ext cx="642942" cy="571504"/>
+          </a:xfrm>
+          <a:prstGeom prst="ellipse">
+            <a:avLst/>
+          </a:prstGeom>
+        </p:spPr>
+        <p:style>
+          <a:lnRef idx="2">
+            <a:schemeClr val="accent1">
+              <a:shade val="50000"/>
+            </a:schemeClr>
+          </a:lnRef>
+          <a:fillRef idx="1">
+            <a:schemeClr val="accent1"/>
+          </a:fillRef>
+          <a:effectRef idx="0">
+            <a:schemeClr val="accent1"/>
+          </a:effectRef>
+          <a:fontRef idx="minor">
+            <a:schemeClr val="lt1"/>
+          </a:fontRef>
+        </p:style>
+        <p:txBody>
+          <a:bodyPr rtlCol="0" anchor="ctr"/>
+          <a:lstStyle/>
+          <a:p>
+            <a:pPr algn="ctr"/>
+            <a:endParaRPr lang="uk-UA"/>
+          </a:p>
+        </p:txBody>
+      </p:sp>
+      <p:cxnSp>
+        <p:nvCxnSpPr>
+          <p:cNvPr id="13" name="Прямая со стрелкой 12"/>
+          <p:cNvCxnSpPr>
+            <a:endCxn id="9" idx="1"/>
+          </p:cNvCxnSpPr>
+          <p:nvPr/>
+        </p:nvCxnSpPr>
+        <p:spPr>
+          <a:xfrm>
+            <a:off x="714348" y="2285992"/>
+            <a:ext cx="379909" cy="869513"/>
+          </a:xfrm>
+          <a:prstGeom prst="straightConnector1">
+            <a:avLst/>
+          </a:prstGeom>
+          <a:ln>
+            <a:tailEnd type="arrow"/>
+          </a:ln>
+        </p:spPr>
+        <p:style>
+          <a:lnRef idx="1">
+            <a:schemeClr val="accent1"/>
+          </a:lnRef>
+          <a:fillRef idx="0">
+            <a:schemeClr val="accent1"/>
+          </a:fillRef>
+          <a:effectRef idx="0">
+            <a:schemeClr val="accent1"/>
+          </a:effectRef>
+          <a:fontRef idx="minor">
+            <a:schemeClr val="tx1"/>
+          </a:fontRef>
+        </p:style>
+      </p:cxnSp>
+      <p:cxnSp>
+        <p:nvCxnSpPr>
+          <p:cNvPr id="15" name="Прямая со стрелкой 14"/>
+          <p:cNvCxnSpPr>
+            <a:stCxn id="9" idx="6"/>
+            <a:endCxn id="10" idx="2"/>
+          </p:cNvCxnSpPr>
+          <p:nvPr/>
+        </p:nvCxnSpPr>
+        <p:spPr>
+          <a:xfrm>
+            <a:off x="1643042" y="3357562"/>
+            <a:ext cx="642942" cy="0"/>
+          </a:xfrm>
+          <a:prstGeom prst="straightConnector1">
+            <a:avLst/>
+          </a:prstGeom>
+          <a:ln>
+            <a:tailEnd type="arrow"/>
+          </a:ln>
+        </p:spPr>
+        <p:style>
+          <a:lnRef idx="1">
+            <a:schemeClr val="accent1"/>
+          </a:lnRef>
+          <a:fillRef idx="0">
+            <a:schemeClr val="accent1"/>
+          </a:fillRef>
+          <a:effectRef idx="0">
+            <a:schemeClr val="accent1"/>
+          </a:effectRef>
+          <a:fontRef idx="minor">
+            <a:schemeClr val="tx1"/>
+          </a:fontRef>
+        </p:style>
+      </p:cxnSp>
+      <p:cxnSp>
+        <p:nvCxnSpPr>
+          <p:cNvPr id="17" name="Прямая со стрелкой 16"/>
+          <p:cNvCxnSpPr>
+            <a:stCxn id="10" idx="7"/>
+            <a:endCxn id="11" idx="4"/>
+          </p:cNvCxnSpPr>
+          <p:nvPr/>
+        </p:nvCxnSpPr>
+        <p:spPr>
+          <a:xfrm flipV="1">
+            <a:off x="2834769" y="2500306"/>
+            <a:ext cx="701380" cy="655199"/>
+          </a:xfrm>
+          <a:prstGeom prst="straightConnector1">
+            <a:avLst/>
+          </a:prstGeom>
+          <a:ln>
+            <a:tailEnd type="arrow"/>
+          </a:ln>
+        </p:spPr>
+        <p:style>
+          <a:lnRef idx="1">
+            <a:schemeClr val="accent1"/>
+          </a:lnRef>
+          <a:fillRef idx="0">
+            <a:schemeClr val="accent1"/>
+          </a:fillRef>
+          <a:effectRef idx="0">
+            <a:schemeClr val="accent1"/>
+          </a:effectRef>
+          <a:fontRef idx="minor">
+            <a:schemeClr val="tx1"/>
+          </a:fontRef>
+        </p:style>
+      </p:cxnSp>
+      <p:sp>
+        <p:nvSpPr>
+          <p:cNvPr id="19" name="TextBox 18"/>
+          <p:cNvSpPr txBox="1"/>
+          <p:nvPr/>
+        </p:nvSpPr>
+        <p:spPr>
+          <a:xfrm>
+            <a:off x="3913446" y="3631172"/>
+            <a:ext cx="872868" cy="369332"/>
+          </a:xfrm>
+          <a:prstGeom prst="rect">
+            <a:avLst/>
+          </a:prstGeom>
+          <a:noFill/>
+        </p:spPr>
+        <p:txBody>
+          <a:bodyPr wrap="none" rtlCol="0">
+            <a:spAutoFit/>
+          </a:bodyPr>
+          <a:lstStyle/>
+          <a:p>
+            <a:r>
+              <a:rPr lang="en-US" dirty="0" smtClean="0"/>
+              <a:t>Values</a:t>
+            </a:r>
+            <a:endParaRPr lang="uk-UA" dirty="0"/>
+          </a:p>
+        </p:txBody>
+      </p:sp>
+      <p:cxnSp>
+        <p:nvCxnSpPr>
+          <p:cNvPr id="21" name="Прямая соединительная линия 20"/>
+          <p:cNvCxnSpPr/>
+          <p:nvPr/>
+        </p:nvCxnSpPr>
+        <p:spPr>
+          <a:xfrm>
+            <a:off x="500034" y="2786058"/>
+            <a:ext cx="3286148" cy="0"/>
+          </a:xfrm>
+          <a:prstGeom prst="line">
+            <a:avLst/>
+          </a:prstGeom>
+        </p:spPr>
+        <p:style>
+          <a:lnRef idx="1">
+            <a:schemeClr val="accent1"/>
+          </a:lnRef>
+          <a:fillRef idx="0">
+            <a:schemeClr val="accent1"/>
+          </a:fillRef>
+          <a:effectRef idx="0">
+            <a:schemeClr val="accent1"/>
+          </a:effectRef>
+          <a:fontRef idx="minor">
+            <a:schemeClr val="tx1"/>
+          </a:fontRef>
+        </p:style>
+      </p:cxnSp>
+      <p:sp>
+        <p:nvSpPr>
+          <p:cNvPr id="22" name="TextBox 21"/>
+          <p:cNvSpPr txBox="1"/>
+          <p:nvPr/>
+        </p:nvSpPr>
+        <p:spPr>
+          <a:xfrm>
+            <a:off x="3857620" y="1571612"/>
+            <a:ext cx="1159292" cy="369332"/>
+          </a:xfrm>
+          <a:prstGeom prst="rect">
+            <a:avLst/>
+          </a:prstGeom>
+          <a:noFill/>
+        </p:spPr>
+        <p:txBody>
+          <a:bodyPr wrap="none" rtlCol="0">
+            <a:spAutoFit/>
+          </a:bodyPr>
+          <a:lstStyle/>
+          <a:p>
+            <a:r>
+              <a:rPr lang="en-US" dirty="0" smtClean="0"/>
+              <a:t>Optionals</a:t>
+            </a:r>
+            <a:endParaRPr lang="uk-UA" dirty="0"/>
+          </a:p>
+        </p:txBody>
+      </p:sp>
+      <p:cxnSp>
+        <p:nvCxnSpPr>
+          <p:cNvPr id="23" name="Прямая соединительная линия 22"/>
+          <p:cNvCxnSpPr/>
+          <p:nvPr/>
+        </p:nvCxnSpPr>
+        <p:spPr>
+          <a:xfrm>
+            <a:off x="4714876" y="2786058"/>
+            <a:ext cx="3286148" cy="0"/>
+          </a:xfrm>
+          <a:prstGeom prst="line">
+            <a:avLst/>
+          </a:prstGeom>
+        </p:spPr>
+        <p:style>
+          <a:lnRef idx="1">
+            <a:schemeClr val="accent1"/>
+          </a:lnRef>
+          <a:fillRef idx="0">
+            <a:schemeClr val="accent1"/>
+          </a:fillRef>
+          <a:effectRef idx="0">
+            <a:schemeClr val="accent1"/>
+          </a:effectRef>
+          <a:fontRef idx="minor">
+            <a:schemeClr val="tx1"/>
+          </a:fontRef>
+        </p:style>
+      </p:cxnSp>
+      <p:sp>
+        <p:nvSpPr>
+          <p:cNvPr id="24" name="TextBox 23"/>
+          <p:cNvSpPr txBox="1"/>
+          <p:nvPr/>
+        </p:nvSpPr>
+        <p:spPr>
+          <a:xfrm>
+            <a:off x="785786" y="2500306"/>
+            <a:ext cx="617477" cy="246221"/>
+          </a:xfrm>
+          <a:prstGeom prst="rect">
+            <a:avLst/>
+          </a:prstGeom>
+          <a:noFill/>
+        </p:spPr>
+        <p:txBody>
+          <a:bodyPr wrap="none" rtlCol="0">
+            <a:spAutoFit/>
+          </a:bodyPr>
+          <a:lstStyle/>
+          <a:p>
+            <a:r>
+              <a:rPr lang="en-US" sz="1000" dirty="0" smtClean="0"/>
+              <a:t>Unpack</a:t>
+            </a:r>
+            <a:endParaRPr lang="uk-UA" sz="1000" dirty="0"/>
+          </a:p>
+        </p:txBody>
+      </p:sp>
+      <p:sp>
+        <p:nvSpPr>
+          <p:cNvPr id="25" name="TextBox 24"/>
+          <p:cNvSpPr txBox="1"/>
+          <p:nvPr/>
+        </p:nvSpPr>
+        <p:spPr>
+          <a:xfrm>
+            <a:off x="2882953" y="2500306"/>
+            <a:ext cx="468398" cy="246221"/>
+          </a:xfrm>
+          <a:prstGeom prst="rect">
+            <a:avLst/>
+          </a:prstGeom>
+          <a:noFill/>
+        </p:spPr>
+        <p:txBody>
+          <a:bodyPr wrap="none" rtlCol="0">
+            <a:spAutoFit/>
+          </a:bodyPr>
+          <a:lstStyle/>
+          <a:p>
+            <a:r>
+              <a:rPr lang="en-US" sz="1000" dirty="0" smtClean="0"/>
+              <a:t>Pack</a:t>
+            </a:r>
+            <a:endParaRPr lang="uk-UA" sz="1000" dirty="0"/>
+          </a:p>
+        </p:txBody>
+      </p:sp>
+      <p:sp>
+        <p:nvSpPr>
+          <p:cNvPr id="26" name="TextBox 25"/>
+          <p:cNvSpPr txBox="1"/>
+          <p:nvPr/>
+        </p:nvSpPr>
+        <p:spPr>
+          <a:xfrm>
+            <a:off x="1643042" y="3111341"/>
+            <a:ext cx="553357" cy="246221"/>
+          </a:xfrm>
+          <a:prstGeom prst="rect">
+            <a:avLst/>
+          </a:prstGeom>
+          <a:noFill/>
+        </p:spPr>
+        <p:txBody>
+          <a:bodyPr wrap="none" rtlCol="0">
+            <a:spAutoFit/>
+          </a:bodyPr>
+          <a:lstStyle/>
+          <a:p>
+            <a:r>
+              <a:rPr lang="en-US" sz="1000" dirty="0" smtClean="0"/>
+              <a:t>Do job</a:t>
+            </a:r>
+            <a:endParaRPr lang="uk-UA" sz="1000" dirty="0"/>
+          </a:p>
+        </p:txBody>
+      </p:sp>
+      <p:sp>
+        <p:nvSpPr>
+          <p:cNvPr id="27" name="Овал 26"/>
+          <p:cNvSpPr/>
+          <p:nvPr/>
+        </p:nvSpPr>
+        <p:spPr>
+          <a:xfrm>
+            <a:off x="4714876" y="2000240"/>
+            <a:ext cx="642942" cy="571504"/>
+          </a:xfrm>
+          <a:prstGeom prst="ellipse">
+            <a:avLst/>
+          </a:prstGeom>
+        </p:spPr>
+        <p:style>
+          <a:lnRef idx="2">
+            <a:schemeClr val="accent1">
+              <a:shade val="50000"/>
+            </a:schemeClr>
+          </a:lnRef>
+          <a:fillRef idx="1">
+            <a:schemeClr val="accent1"/>
+          </a:fillRef>
+          <a:effectRef idx="0">
+            <a:schemeClr val="accent1"/>
+          </a:effectRef>
+          <a:fontRef idx="minor">
+            <a:schemeClr val="lt1"/>
+          </a:fontRef>
+        </p:style>
+        <p:txBody>
+          <a:bodyPr rtlCol="0" anchor="ctr"/>
+          <a:lstStyle/>
+          <a:p>
+            <a:pPr algn="ctr"/>
+            <a:endParaRPr lang="uk-UA"/>
+          </a:p>
+        </p:txBody>
+      </p:sp>
+      <p:sp>
+        <p:nvSpPr>
+          <p:cNvPr id="28" name="TextBox 27"/>
+          <p:cNvSpPr txBox="1"/>
+          <p:nvPr/>
+        </p:nvSpPr>
+        <p:spPr>
+          <a:xfrm>
+            <a:off x="5947469" y="2254085"/>
+            <a:ext cx="553357" cy="246221"/>
+          </a:xfrm>
+          <a:prstGeom prst="rect">
+            <a:avLst/>
+          </a:prstGeom>
+          <a:noFill/>
+        </p:spPr>
+        <p:txBody>
+          <a:bodyPr wrap="none" rtlCol="0">
+            <a:spAutoFit/>
+          </a:bodyPr>
+          <a:lstStyle/>
+          <a:p>
+            <a:r>
+              <a:rPr lang="en-US" sz="1000" dirty="0" smtClean="0"/>
+              <a:t>Do job</a:t>
+            </a:r>
+            <a:endParaRPr lang="uk-UA" sz="1000" dirty="0"/>
+          </a:p>
+        </p:txBody>
+      </p:sp>
+      <p:sp>
+        <p:nvSpPr>
+          <p:cNvPr id="30" name="Овал 29"/>
+          <p:cNvSpPr/>
+          <p:nvPr/>
+        </p:nvSpPr>
+        <p:spPr>
+          <a:xfrm>
+            <a:off x="7143768" y="2000240"/>
+            <a:ext cx="642942" cy="571504"/>
+          </a:xfrm>
+          <a:prstGeom prst="ellipse">
+            <a:avLst/>
+          </a:prstGeom>
+        </p:spPr>
+        <p:style>
+          <a:lnRef idx="2">
+            <a:schemeClr val="accent1">
+              <a:shade val="50000"/>
+            </a:schemeClr>
+          </a:lnRef>
+          <a:fillRef idx="1">
+            <a:schemeClr val="accent1"/>
+          </a:fillRef>
+          <a:effectRef idx="0">
+            <a:schemeClr val="accent1"/>
+          </a:effectRef>
+          <a:fontRef idx="minor">
+            <a:schemeClr val="lt1"/>
+          </a:fontRef>
+        </p:style>
+        <p:txBody>
+          <a:bodyPr rtlCol="0" anchor="ctr"/>
+          <a:lstStyle/>
+          <a:p>
+            <a:pPr algn="ctr"/>
+            <a:endParaRPr lang="uk-UA"/>
+          </a:p>
+        </p:txBody>
+      </p:sp>
+      <p:cxnSp>
+        <p:nvCxnSpPr>
+          <p:cNvPr id="34" name="Прямая со стрелкой 33"/>
+          <p:cNvCxnSpPr>
+            <a:stCxn id="27" idx="6"/>
+            <a:endCxn id="30" idx="2"/>
+          </p:cNvCxnSpPr>
+          <p:nvPr/>
+        </p:nvCxnSpPr>
+        <p:spPr>
+          <a:xfrm>
+            <a:off x="5357818" y="2285992"/>
+            <a:ext cx="1785950" cy="0"/>
+          </a:xfrm>
+          <a:prstGeom prst="straightConnector1">
+            <a:avLst/>
+          </a:prstGeom>
+          <a:ln>
+            <a:tailEnd type="arrow"/>
+          </a:ln>
+        </p:spPr>
+        <p:style>
+          <a:lnRef idx="1">
+            <a:schemeClr val="accent1"/>
+          </a:lnRef>
+          <a:fillRef idx="0">
+            <a:schemeClr val="accent1"/>
+          </a:fillRef>
+          <a:effectRef idx="0">
+            <a:schemeClr val="accent1"/>
+          </a:effectRef>
+          <a:fontRef idx="minor">
+            <a:schemeClr val="tx1"/>
+          </a:fontRef>
+        </p:style>
+      </p:cxnSp>
+    </p:spTree>
+  </p:cSld>
+  <p:clrMapOvr>
+    <a:masterClrMapping/>
+  </p:clrMapOvr>
+</p:sld>
+</file>
+
+<file path=ppt/slides/slide19.xml><?xml version="1.0" encoding="utf-8"?>
+<p:sld xmlns:a="http://schemas.openxmlformats.org/drawingml/2006/main" xmlns:r="http://schemas.openxmlformats.org/officeDocument/2006/relationships" xmlns:p="http://schemas.openxmlformats.org/presentationml/2006/main">
+  <p:cSld>
+    <p:spTree>
+      <p:nvGrpSpPr>
+        <p:cNvPr id="1" name=""/>
+        <p:cNvGrpSpPr/>
+        <p:nvPr/>
+      </p:nvGrpSpPr>
+      <p:grpSpPr>
+        <a:xfrm>
+          <a:off x="0" y="0"/>
+          <a:ext cx="0" cy="0"/>
+          <a:chOff x="0" y="0"/>
+          <a:chExt cx="0" cy="0"/>
+        </a:xfrm>
+      </p:grpSpPr>
+      <p:sp>
+        <p:nvSpPr>
+          <p:cNvPr id="2" name="Заголовок 1"/>
+          <p:cNvSpPr>
+            <a:spLocks noGrp="1"/>
+          </p:cNvSpPr>
+          <p:nvPr>
+            <p:ph type="title"/>
+          </p:nvPr>
+        </p:nvSpPr>
+        <p:spPr/>
+        <p:txBody>
+          <a:bodyPr/>
+          <a:lstStyle/>
+          <a:p>
+            <a:r>
+              <a:rPr lang="en-US" dirty="0" smtClean="0"/>
+              <a:t>Pyramid of doom</a:t>
+            </a:r>
+            <a:endParaRPr lang="uk-UA" dirty="0"/>
+          </a:p>
+        </p:txBody>
+      </p:sp>
+      <p:pic>
+        <p:nvPicPr>
+          <p:cNvPr id="2050" name="Picture 2"/>
+          <p:cNvPicPr>
+            <a:picLocks noGrp="1" noChangeAspect="1" noChangeArrowheads="1"/>
+          </p:cNvPicPr>
+          <p:nvPr>
+            <p:ph sz="quarter" idx="2"/>
+          </p:nvPr>
+        </p:nvPicPr>
+        <p:blipFill>
+          <a:blip r:embed="rId2" cstate="print"/>
+          <a:srcRect l="7546" t="59333" r="66510" b="14144"/>
+          <a:stretch>
+            <a:fillRect/>
+          </a:stretch>
+        </p:blipFill>
+        <p:spPr bwMode="auto">
+          <a:xfrm>
+            <a:off x="4572000" y="1214422"/>
+            <a:ext cx="4101489" cy="2357454"/>
+          </a:xfrm>
+          <a:prstGeom prst="rect">
+            <a:avLst/>
+          </a:prstGeom>
+          <a:noFill/>
+          <a:ln w="9525">
+            <a:noFill/>
+            <a:miter lim="800000"/>
+            <a:headEnd/>
+            <a:tailEnd/>
+          </a:ln>
+          <a:effectLst/>
+        </p:spPr>
+      </p:pic>
+      <p:pic>
+        <p:nvPicPr>
+          <p:cNvPr id="2051" name="Picture 3"/>
+          <p:cNvPicPr>
+            <a:picLocks noChangeAspect="1" noChangeArrowheads="1"/>
+          </p:cNvPicPr>
+          <p:nvPr/>
+        </p:nvPicPr>
+        <p:blipFill>
+          <a:blip r:embed="rId3" cstate="print"/>
+          <a:srcRect l="7138" t="37704" r="71449" b="35801"/>
+          <a:stretch>
+            <a:fillRect/>
+          </a:stretch>
+        </p:blipFill>
+        <p:spPr bwMode="auto">
+          <a:xfrm>
+            <a:off x="428595" y="1357298"/>
+            <a:ext cx="3750495" cy="2500330"/>
+          </a:xfrm>
+          <a:prstGeom prst="rect">
+            <a:avLst/>
+          </a:prstGeom>
+          <a:noFill/>
+          <a:ln w="9525">
+            <a:noFill/>
+            <a:miter lim="800000"/>
+            <a:headEnd/>
+            <a:tailEnd/>
+          </a:ln>
+          <a:effectLst/>
+        </p:spPr>
+      </p:pic>
+      <p:sp>
+        <p:nvSpPr>
+          <p:cNvPr id="9" name="Стрелка вниз 8"/>
+          <p:cNvSpPr/>
+          <p:nvPr/>
+        </p:nvSpPr>
+        <p:spPr>
+          <a:xfrm>
+            <a:off x="4143372" y="3786190"/>
+            <a:ext cx="642942" cy="428628"/>
+          </a:xfrm>
+          <a:prstGeom prst="downArrow">
+            <a:avLst/>
+          </a:prstGeom>
+        </p:spPr>
+        <p:style>
+          <a:lnRef idx="2">
+            <a:schemeClr val="accent1">
+              <a:shade val="50000"/>
+            </a:schemeClr>
+          </a:lnRef>
+          <a:fillRef idx="1">
+            <a:schemeClr val="accent1"/>
+          </a:fillRef>
+          <a:effectRef idx="0">
+            <a:schemeClr val="accent1"/>
+          </a:effectRef>
+          <a:fontRef idx="minor">
+            <a:schemeClr val="lt1"/>
+          </a:fontRef>
+        </p:style>
+        <p:txBody>
+          <a:bodyPr rtlCol="0" anchor="ctr"/>
+          <a:lstStyle/>
+          <a:p>
+            <a:pPr algn="ctr"/>
+            <a:endParaRPr lang="uk-UA"/>
+          </a:p>
+        </p:txBody>
+      </p:sp>
+      <p:sp>
+        <p:nvSpPr>
+          <p:cNvPr id="10" name="Стрелка вправо 9"/>
+          <p:cNvSpPr/>
+          <p:nvPr/>
+        </p:nvSpPr>
+        <p:spPr>
+          <a:xfrm>
+            <a:off x="4071934" y="2357430"/>
+            <a:ext cx="500066" cy="428628"/>
+          </a:xfrm>
+          <a:prstGeom prst="rightArrow">
+            <a:avLst/>
+          </a:prstGeom>
+        </p:spPr>
+        <p:style>
+          <a:lnRef idx="2">
+            <a:schemeClr val="accent1">
+              <a:shade val="50000"/>
+            </a:schemeClr>
+          </a:lnRef>
+          <a:fillRef idx="1">
+            <a:schemeClr val="accent1"/>
+          </a:fillRef>
+          <a:effectRef idx="0">
+            <a:schemeClr val="accent1"/>
+          </a:effectRef>
+          <a:fontRef idx="minor">
+            <a:schemeClr val="lt1"/>
+          </a:fontRef>
+        </p:style>
+        <p:txBody>
+          <a:bodyPr rtlCol="0" anchor="ctr"/>
+          <a:lstStyle/>
+          <a:p>
+            <a:pPr algn="ctr"/>
+            <a:endParaRPr lang="uk-UA"/>
+          </a:p>
+        </p:txBody>
+      </p:sp>
+      <p:pic>
+        <p:nvPicPr>
+          <p:cNvPr id="2052" name="Picture 4"/>
+          <p:cNvPicPr>
+            <a:picLocks noChangeAspect="1" noChangeArrowheads="1"/>
+          </p:cNvPicPr>
+          <p:nvPr/>
+        </p:nvPicPr>
+        <p:blipFill>
+          <a:blip r:embed="rId4" cstate="print"/>
+          <a:srcRect l="7174" t="36753" r="73609" b="52038"/>
+          <a:stretch>
+            <a:fillRect/>
+          </a:stretch>
+        </p:blipFill>
+        <p:spPr bwMode="auto">
+          <a:xfrm>
+            <a:off x="2786049" y="4588337"/>
+            <a:ext cx="3357587" cy="1055241"/>
+          </a:xfrm>
+          <a:prstGeom prst="rect">
+            <a:avLst/>
+          </a:prstGeom>
+          <a:noFill/>
+          <a:ln w="9525">
+            <a:noFill/>
+            <a:miter lim="800000"/>
+            <a:headEnd/>
+            <a:tailEnd/>
+          </a:ln>
+          <a:effectLst/>
+        </p:spPr>
+      </p:pic>
+      <p:sp>
+        <p:nvSpPr>
+          <p:cNvPr id="12" name="Равнобедренный треугольник 11"/>
+          <p:cNvSpPr/>
+          <p:nvPr/>
+        </p:nvSpPr>
+        <p:spPr>
+          <a:xfrm rot="5400000">
+            <a:off x="-382653" y="2382861"/>
+            <a:ext cx="1907332" cy="427709"/>
+          </a:xfrm>
+          <a:prstGeom prst="triangle">
+            <a:avLst/>
+          </a:prstGeom>
+        </p:spPr>
+        <p:style>
+          <a:lnRef idx="2">
+            <a:schemeClr val="accent1">
+              <a:shade val="50000"/>
+            </a:schemeClr>
+          </a:lnRef>
+          <a:fillRef idx="1">
+            <a:schemeClr val="accent1"/>
+          </a:fillRef>
+          <a:effectRef idx="0">
+            <a:schemeClr val="accent1"/>
+          </a:effectRef>
+          <a:fontRef idx="minor">
+            <a:schemeClr val="lt1"/>
+          </a:fontRef>
+        </p:style>
+        <p:txBody>
+          <a:bodyPr rtlCol="0" anchor="ctr"/>
+          <a:lstStyle/>
+          <a:p>
+            <a:pPr algn="ctr"/>
+            <a:endParaRPr lang="uk-UA"/>
           </a:p>
         </p:txBody>
       </p:sp>
@@ -5562,6 +6800,680 @@
 </file>
 
 <file path=ppt/slides/slide2.xml><?xml version="1.0" encoding="utf-8"?>
+<p:sld xmlns:a="http://schemas.openxmlformats.org/drawingml/2006/main" xmlns:r="http://schemas.openxmlformats.org/officeDocument/2006/relationships" xmlns:p="http://schemas.openxmlformats.org/presentationml/2006/main">
+  <p:cSld>
+    <p:spTree>
+      <p:nvGrpSpPr>
+        <p:cNvPr id="1" name=""/>
+        <p:cNvGrpSpPr/>
+        <p:nvPr/>
+      </p:nvGrpSpPr>
+      <p:grpSpPr>
+        <a:xfrm>
+          <a:off x="0" y="0"/>
+          <a:ext cx="0" cy="0"/>
+          <a:chOff x="0" y="0"/>
+          <a:chExt cx="0" cy="0"/>
+        </a:xfrm>
+      </p:grpSpPr>
+      <p:sp>
+        <p:nvSpPr>
+          <p:cNvPr id="2" name="Заголовок 1"/>
+          <p:cNvSpPr>
+            <a:spLocks noGrp="1"/>
+          </p:cNvSpPr>
+          <p:nvPr>
+            <p:ph type="title"/>
+          </p:nvPr>
+        </p:nvSpPr>
+        <p:spPr/>
+        <p:txBody>
+          <a:bodyPr/>
+          <a:lstStyle/>
+          <a:p>
+            <a:r>
+              <a:rPr lang="en-US" dirty="0" smtClean="0"/>
+              <a:t>Agenda</a:t>
+            </a:r>
+            <a:endParaRPr lang="uk-UA" dirty="0"/>
+          </a:p>
+        </p:txBody>
+      </p:sp>
+      <p:sp>
+        <p:nvSpPr>
+          <p:cNvPr id="3" name="Содержимое 2"/>
+          <p:cNvSpPr>
+            <a:spLocks noGrp="1"/>
+          </p:cNvSpPr>
+          <p:nvPr>
+            <p:ph sz="quarter" idx="1"/>
+          </p:nvPr>
+        </p:nvSpPr>
+        <p:spPr/>
+        <p:txBody>
+          <a:bodyPr/>
+          <a:lstStyle/>
+          <a:p>
+            <a:r>
+              <a:rPr lang="en-US" dirty="0" smtClean="0"/>
+              <a:t>What is GOF patterns?</a:t>
+            </a:r>
+          </a:p>
+          <a:p>
+            <a:r>
+              <a:rPr lang="en-US" dirty="0" smtClean="0"/>
+              <a:t>Common OOP patterns in functional style</a:t>
+            </a:r>
+          </a:p>
+          <a:p>
+            <a:r>
+              <a:rPr lang="en-US" dirty="0" smtClean="0"/>
+              <a:t>Some p</a:t>
+            </a:r>
+            <a:r>
+              <a:rPr lang="en-US" dirty="0" smtClean="0"/>
+              <a:t>atterns </a:t>
+            </a:r>
+            <a:r>
+              <a:rPr lang="en-US" dirty="0" smtClean="0"/>
+              <a:t>in functional languages</a:t>
+            </a:r>
+          </a:p>
+          <a:p>
+            <a:endParaRPr lang="en-US" dirty="0" smtClean="0"/>
+          </a:p>
+          <a:p>
+            <a:endParaRPr lang="uk-UA" dirty="0"/>
+          </a:p>
+        </p:txBody>
+      </p:sp>
+    </p:spTree>
+  </p:cSld>
+  <p:clrMapOvr>
+    <a:masterClrMapping/>
+  </p:clrMapOvr>
+</p:sld>
+</file>
+
+<file path=ppt/slides/slide20.xml><?xml version="1.0" encoding="utf-8"?>
+<p:sld xmlns:a="http://schemas.openxmlformats.org/drawingml/2006/main" xmlns:r="http://schemas.openxmlformats.org/officeDocument/2006/relationships" xmlns:p="http://schemas.openxmlformats.org/presentationml/2006/main">
+  <p:cSld>
+    <p:spTree>
+      <p:nvGrpSpPr>
+        <p:cNvPr id="1" name=""/>
+        <p:cNvGrpSpPr/>
+        <p:nvPr/>
+      </p:nvGrpSpPr>
+      <p:grpSpPr>
+        <a:xfrm>
+          <a:off x="0" y="0"/>
+          <a:ext cx="0" cy="0"/>
+          <a:chOff x="0" y="0"/>
+          <a:chExt cx="0" cy="0"/>
+        </a:xfrm>
+      </p:grpSpPr>
+      <p:sp>
+        <p:nvSpPr>
+          <p:cNvPr id="2" name="Заголовок 1"/>
+          <p:cNvSpPr>
+            <a:spLocks noGrp="1"/>
+          </p:cNvSpPr>
+          <p:nvPr>
+            <p:ph type="title"/>
+          </p:nvPr>
+        </p:nvSpPr>
+        <p:spPr/>
+        <p:txBody>
+          <a:bodyPr/>
+          <a:lstStyle/>
+          <a:p>
+            <a:r>
+              <a:rPr lang="en-US" dirty="0" smtClean="0"/>
+              <a:t>Hollywood principle*: continuations</a:t>
+            </a:r>
+            <a:endParaRPr lang="uk-UA" dirty="0"/>
+          </a:p>
+        </p:txBody>
+      </p:sp>
+      <p:sp>
+        <p:nvSpPr>
+          <p:cNvPr id="3" name="Текст 2"/>
+          <p:cNvSpPr>
+            <a:spLocks noGrp="1"/>
+          </p:cNvSpPr>
+          <p:nvPr>
+            <p:ph type="body" idx="1"/>
+          </p:nvPr>
+        </p:nvSpPr>
+        <p:spPr>
+          <a:xfrm>
+            <a:off x="457200" y="1285875"/>
+            <a:ext cx="8186766" cy="685800"/>
+          </a:xfrm>
+        </p:spPr>
+        <p:txBody>
+          <a:bodyPr/>
+          <a:lstStyle/>
+          <a:p>
+            <a:endParaRPr lang="en-US" sz="1200" i="1" dirty="0" smtClean="0"/>
+          </a:p>
+          <a:p>
+            <a:endParaRPr lang="en-US" sz="1200" i="1" dirty="0" smtClean="0"/>
+          </a:p>
+          <a:p>
+            <a:r>
+              <a:rPr lang="en-US" sz="2000" b="0" dirty="0" smtClean="0">
+                <a:solidFill>
+                  <a:schemeClr val="tx2"/>
+                </a:solidFill>
+                <a:latin typeface="+mj-lt"/>
+                <a:ea typeface="+mj-ea"/>
+                <a:cs typeface="+mj-cs"/>
+              </a:rPr>
+              <a:t>Caller will decide what to do </a:t>
+            </a:r>
+          </a:p>
+          <a:p>
+            <a:r>
+              <a:rPr lang="en-US" sz="1200" i="1" dirty="0" smtClean="0"/>
+              <a:t>*Don’t call us, we will call you</a:t>
+            </a:r>
+            <a:endParaRPr lang="uk-UA" sz="1200" i="1" dirty="0"/>
+          </a:p>
+        </p:txBody>
+      </p:sp>
+      <p:sp>
+        <p:nvSpPr>
+          <p:cNvPr id="5" name="Содержимое 4"/>
+          <p:cNvSpPr>
+            <a:spLocks noGrp="1"/>
+          </p:cNvSpPr>
+          <p:nvPr>
+            <p:ph sz="quarter" idx="2"/>
+          </p:nvPr>
+        </p:nvSpPr>
+        <p:spPr>
+          <a:xfrm>
+            <a:off x="357158" y="2133600"/>
+            <a:ext cx="4038600" cy="4038600"/>
+          </a:xfrm>
+        </p:spPr>
+        <p:txBody>
+          <a:bodyPr>
+            <a:normAutofit/>
+          </a:bodyPr>
+          <a:lstStyle/>
+          <a:p>
+            <a:endParaRPr lang="en-US" sz="1400" dirty="0" smtClean="0">
+              <a:latin typeface="Arial Unicode MS" pitchFamily="34" charset="-128"/>
+              <a:ea typeface="Arial Unicode MS" pitchFamily="34" charset="-128"/>
+              <a:cs typeface="Arial Unicode MS" pitchFamily="34" charset="-128"/>
+            </a:endParaRPr>
+          </a:p>
+          <a:p>
+            <a:r>
+              <a:rPr lang="en-US" sz="1400" dirty="0" smtClean="0">
+                <a:latin typeface="Arial Unicode MS" pitchFamily="34" charset="-128"/>
+                <a:ea typeface="Arial Unicode MS" pitchFamily="34" charset="-128"/>
+                <a:cs typeface="Arial Unicode MS" pitchFamily="34" charset="-128"/>
+              </a:rPr>
+              <a:t>Function&lt;Money, String&gt;  party = money -&gt; {</a:t>
+            </a:r>
+            <a:br>
+              <a:rPr lang="en-US" sz="1400" dirty="0" smtClean="0">
+                <a:latin typeface="Arial Unicode MS" pitchFamily="34" charset="-128"/>
+                <a:ea typeface="Arial Unicode MS" pitchFamily="34" charset="-128"/>
+                <a:cs typeface="Arial Unicode MS" pitchFamily="34" charset="-128"/>
+              </a:rPr>
+            </a:br>
+            <a:r>
+              <a:rPr lang="en-US" sz="1400" dirty="0" smtClean="0">
+                <a:latin typeface="Arial Unicode MS" pitchFamily="34" charset="-128"/>
+                <a:ea typeface="Arial Unicode MS" pitchFamily="34" charset="-128"/>
+                <a:cs typeface="Arial Unicode MS" pitchFamily="34" charset="-128"/>
+              </a:rPr>
+              <a:t>    if (money.isEnough()) {</a:t>
+            </a:r>
+            <a:br>
+              <a:rPr lang="en-US" sz="1400" dirty="0" smtClean="0">
+                <a:latin typeface="Arial Unicode MS" pitchFamily="34" charset="-128"/>
+                <a:ea typeface="Arial Unicode MS" pitchFamily="34" charset="-128"/>
+                <a:cs typeface="Arial Unicode MS" pitchFamily="34" charset="-128"/>
+              </a:rPr>
+            </a:br>
+            <a:r>
+              <a:rPr lang="en-US" sz="1400" dirty="0" smtClean="0">
+                <a:latin typeface="Arial Unicode MS" pitchFamily="34" charset="-128"/>
+                <a:ea typeface="Arial Unicode MS" pitchFamily="34" charset="-128"/>
+                <a:cs typeface="Arial Unicode MS" pitchFamily="34" charset="-128"/>
+              </a:rPr>
+              <a:t>        throw new IllegalStateException("No money!!");</a:t>
+            </a:r>
+            <a:br>
+              <a:rPr lang="en-US" sz="1400" dirty="0" smtClean="0">
+                <a:latin typeface="Arial Unicode MS" pitchFamily="34" charset="-128"/>
+                <a:ea typeface="Arial Unicode MS" pitchFamily="34" charset="-128"/>
+                <a:cs typeface="Arial Unicode MS" pitchFamily="34" charset="-128"/>
+              </a:rPr>
+            </a:br>
+            <a:r>
+              <a:rPr lang="en-US" sz="1400" dirty="0" smtClean="0">
+                <a:latin typeface="Arial Unicode MS" pitchFamily="34" charset="-128"/>
+                <a:ea typeface="Arial Unicode MS" pitchFamily="34" charset="-128"/>
+                <a:cs typeface="Arial Unicode MS" pitchFamily="34" charset="-128"/>
+              </a:rPr>
+              <a:t>    }</a:t>
+            </a:r>
+            <a:br>
+              <a:rPr lang="en-US" sz="1400" dirty="0" smtClean="0">
+                <a:latin typeface="Arial Unicode MS" pitchFamily="34" charset="-128"/>
+                <a:ea typeface="Arial Unicode MS" pitchFamily="34" charset="-128"/>
+                <a:cs typeface="Arial Unicode MS" pitchFamily="34" charset="-128"/>
+              </a:rPr>
+            </a:br>
+            <a:r>
+              <a:rPr lang="en-US" sz="1400" dirty="0" smtClean="0">
+                <a:latin typeface="Arial Unicode MS" pitchFamily="34" charset="-128"/>
+                <a:ea typeface="Arial Unicode MS" pitchFamily="34" charset="-128"/>
+                <a:cs typeface="Arial Unicode MS" pitchFamily="34" charset="-128"/>
+              </a:rPr>
+              <a:t>    return "Nice party!!";</a:t>
+            </a:r>
+            <a:br>
+              <a:rPr lang="en-US" sz="1400" dirty="0" smtClean="0">
+                <a:latin typeface="Arial Unicode MS" pitchFamily="34" charset="-128"/>
+                <a:ea typeface="Arial Unicode MS" pitchFamily="34" charset="-128"/>
+                <a:cs typeface="Arial Unicode MS" pitchFamily="34" charset="-128"/>
+              </a:rPr>
+            </a:br>
+            <a:r>
+              <a:rPr lang="en-US" sz="1400" dirty="0" smtClean="0">
+                <a:latin typeface="Arial Unicode MS" pitchFamily="34" charset="-128"/>
+                <a:ea typeface="Arial Unicode MS" pitchFamily="34" charset="-128"/>
+                <a:cs typeface="Arial Unicode MS" pitchFamily="34" charset="-128"/>
+              </a:rPr>
+              <a:t>};</a:t>
+            </a:r>
+            <a:br>
+              <a:rPr lang="en-US" sz="1400" dirty="0" smtClean="0">
+                <a:latin typeface="Arial Unicode MS" pitchFamily="34" charset="-128"/>
+                <a:ea typeface="Arial Unicode MS" pitchFamily="34" charset="-128"/>
+                <a:cs typeface="Arial Unicode MS" pitchFamily="34" charset="-128"/>
+              </a:rPr>
+            </a:br>
+            <a:endParaRPr lang="uk-UA" sz="1400" dirty="0">
+              <a:latin typeface="Arial Unicode MS" pitchFamily="34" charset="-128"/>
+              <a:ea typeface="Arial Unicode MS" pitchFamily="34" charset="-128"/>
+              <a:cs typeface="Arial Unicode MS" pitchFamily="34" charset="-128"/>
+            </a:endParaRPr>
+          </a:p>
+        </p:txBody>
+      </p:sp>
+      <p:sp>
+        <p:nvSpPr>
+          <p:cNvPr id="6" name="Содержимое 5"/>
+          <p:cNvSpPr>
+            <a:spLocks noGrp="1"/>
+          </p:cNvSpPr>
+          <p:nvPr>
+            <p:ph sz="quarter" idx="4"/>
+          </p:nvPr>
+        </p:nvSpPr>
+        <p:spPr>
+          <a:xfrm>
+            <a:off x="4929190" y="2133600"/>
+            <a:ext cx="4038600" cy="4038600"/>
+          </a:xfrm>
+        </p:spPr>
+        <p:txBody>
+          <a:bodyPr>
+            <a:normAutofit/>
+          </a:bodyPr>
+          <a:lstStyle/>
+          <a:p>
+            <a:endParaRPr lang="en-US" sz="1400" dirty="0" smtClean="0">
+              <a:latin typeface="Arial Unicode MS" pitchFamily="34" charset="-128"/>
+              <a:ea typeface="Arial Unicode MS" pitchFamily="34" charset="-128"/>
+              <a:cs typeface="Arial Unicode MS" pitchFamily="34" charset="-128"/>
+            </a:endParaRPr>
+          </a:p>
+          <a:p>
+            <a:r>
+              <a:rPr lang="en-US" sz="1400" dirty="0" smtClean="0">
+                <a:latin typeface="Arial Unicode MS" pitchFamily="34" charset="-128"/>
+                <a:ea typeface="Arial Unicode MS" pitchFamily="34" charset="-128"/>
+                <a:cs typeface="Arial Unicode MS" pitchFamily="34" charset="-128"/>
+              </a:rPr>
+              <a:t>Function&lt;Money, String&gt;  party = money -&gt; {</a:t>
+            </a:r>
+            <a:br>
+              <a:rPr lang="en-US" sz="1400" dirty="0" smtClean="0">
+                <a:latin typeface="Arial Unicode MS" pitchFamily="34" charset="-128"/>
+                <a:ea typeface="Arial Unicode MS" pitchFamily="34" charset="-128"/>
+                <a:cs typeface="Arial Unicode MS" pitchFamily="34" charset="-128"/>
+              </a:rPr>
+            </a:br>
+            <a:r>
+              <a:rPr lang="en-US" sz="1400" dirty="0" smtClean="0">
+                <a:latin typeface="Arial Unicode MS" pitchFamily="34" charset="-128"/>
+                <a:ea typeface="Arial Unicode MS" pitchFamily="34" charset="-128"/>
+                <a:cs typeface="Arial Unicode MS" pitchFamily="34" charset="-128"/>
+              </a:rPr>
+              <a:t>    if (money.isEnough()) {</a:t>
+            </a:r>
+            <a:br>
+              <a:rPr lang="en-US" sz="1400" dirty="0" smtClean="0">
+                <a:latin typeface="Arial Unicode MS" pitchFamily="34" charset="-128"/>
+                <a:ea typeface="Arial Unicode MS" pitchFamily="34" charset="-128"/>
+                <a:cs typeface="Arial Unicode MS" pitchFamily="34" charset="-128"/>
+              </a:rPr>
+            </a:br>
+            <a:r>
+              <a:rPr lang="en-US" sz="1400" dirty="0" smtClean="0">
+                <a:latin typeface="Arial Unicode MS" pitchFamily="34" charset="-128"/>
+                <a:ea typeface="Arial Unicode MS" pitchFamily="34" charset="-128"/>
+                <a:cs typeface="Arial Unicode MS" pitchFamily="34" charset="-128"/>
+              </a:rPr>
+              <a:t>        problem.accept("No money!!!");</a:t>
+            </a:r>
+            <a:br>
+              <a:rPr lang="en-US" sz="1400" dirty="0" smtClean="0">
+                <a:latin typeface="Arial Unicode MS" pitchFamily="34" charset="-128"/>
+                <a:ea typeface="Arial Unicode MS" pitchFamily="34" charset="-128"/>
+                <a:cs typeface="Arial Unicode MS" pitchFamily="34" charset="-128"/>
+              </a:rPr>
+            </a:br>
+            <a:r>
+              <a:rPr lang="en-US" sz="1400" dirty="0" smtClean="0">
+                <a:latin typeface="Arial Unicode MS" pitchFamily="34" charset="-128"/>
+                <a:ea typeface="Arial Unicode MS" pitchFamily="34" charset="-128"/>
+                <a:cs typeface="Arial Unicode MS" pitchFamily="34" charset="-128"/>
+              </a:rPr>
+              <a:t>    }</a:t>
+            </a:r>
+            <a:br>
+              <a:rPr lang="en-US" sz="1400" dirty="0" smtClean="0">
+                <a:latin typeface="Arial Unicode MS" pitchFamily="34" charset="-128"/>
+                <a:ea typeface="Arial Unicode MS" pitchFamily="34" charset="-128"/>
+                <a:cs typeface="Arial Unicode MS" pitchFamily="34" charset="-128"/>
+              </a:rPr>
+            </a:br>
+            <a:r>
+              <a:rPr lang="en-US" sz="1400" dirty="0" smtClean="0">
+                <a:latin typeface="Arial Unicode MS" pitchFamily="34" charset="-128"/>
+                <a:ea typeface="Arial Unicode MS" pitchFamily="34" charset="-128"/>
+                <a:cs typeface="Arial Unicode MS" pitchFamily="34" charset="-128"/>
+              </a:rPr>
+              <a:t>    return "Nice party!!";</a:t>
+            </a:r>
+            <a:br>
+              <a:rPr lang="en-US" sz="1400" dirty="0" smtClean="0">
+                <a:latin typeface="Arial Unicode MS" pitchFamily="34" charset="-128"/>
+                <a:ea typeface="Arial Unicode MS" pitchFamily="34" charset="-128"/>
+                <a:cs typeface="Arial Unicode MS" pitchFamily="34" charset="-128"/>
+              </a:rPr>
+            </a:br>
+            <a:r>
+              <a:rPr lang="en-US" sz="1400" dirty="0" smtClean="0">
+                <a:latin typeface="Arial Unicode MS" pitchFamily="34" charset="-128"/>
+                <a:ea typeface="Arial Unicode MS" pitchFamily="34" charset="-128"/>
+                <a:cs typeface="Arial Unicode MS" pitchFamily="34" charset="-128"/>
+              </a:rPr>
+              <a:t>};</a:t>
+            </a:r>
+            <a:endParaRPr lang="uk-UA" sz="1400" dirty="0" smtClean="0">
+              <a:latin typeface="Arial Unicode MS" pitchFamily="34" charset="-128"/>
+              <a:ea typeface="Arial Unicode MS" pitchFamily="34" charset="-128"/>
+              <a:cs typeface="Arial Unicode MS" pitchFamily="34" charset="-128"/>
+            </a:endParaRPr>
+          </a:p>
+        </p:txBody>
+      </p:sp>
+      <p:sp>
+        <p:nvSpPr>
+          <p:cNvPr id="7" name="Стрелка вправо 6"/>
+          <p:cNvSpPr/>
+          <p:nvPr/>
+        </p:nvSpPr>
+        <p:spPr>
+          <a:xfrm>
+            <a:off x="4286248" y="2786058"/>
+            <a:ext cx="785818" cy="627508"/>
+          </a:xfrm>
+          <a:prstGeom prst="rightArrow">
+            <a:avLst/>
+          </a:prstGeom>
+        </p:spPr>
+        <p:style>
+          <a:lnRef idx="2">
+            <a:schemeClr val="accent1">
+              <a:shade val="50000"/>
+            </a:schemeClr>
+          </a:lnRef>
+          <a:fillRef idx="1">
+            <a:schemeClr val="accent1"/>
+          </a:fillRef>
+          <a:effectRef idx="0">
+            <a:schemeClr val="accent1"/>
+          </a:effectRef>
+          <a:fontRef idx="minor">
+            <a:schemeClr val="lt1"/>
+          </a:fontRef>
+        </p:style>
+        <p:txBody>
+          <a:bodyPr rtlCol="0" anchor="ctr"/>
+          <a:lstStyle/>
+          <a:p>
+            <a:pPr algn="ctr"/>
+            <a:endParaRPr lang="uk-UA"/>
+          </a:p>
+        </p:txBody>
+      </p:sp>
+    </p:spTree>
+  </p:cSld>
+  <p:clrMapOvr>
+    <a:masterClrMapping/>
+  </p:clrMapOvr>
+</p:sld>
+</file>
+
+<file path=ppt/slides/slide21.xml><?xml version="1.0" encoding="utf-8"?>
+<p:sld xmlns:a="http://schemas.openxmlformats.org/drawingml/2006/main" xmlns:r="http://schemas.openxmlformats.org/officeDocument/2006/relationships" xmlns:p="http://schemas.openxmlformats.org/presentationml/2006/main">
+  <p:cSld>
+    <p:spTree>
+      <p:nvGrpSpPr>
+        <p:cNvPr id="1" name=""/>
+        <p:cNvGrpSpPr/>
+        <p:nvPr/>
+      </p:nvGrpSpPr>
+      <p:grpSpPr>
+        <a:xfrm>
+          <a:off x="0" y="0"/>
+          <a:ext cx="0" cy="0"/>
+          <a:chOff x="0" y="0"/>
+          <a:chExt cx="0" cy="0"/>
+        </a:xfrm>
+      </p:grpSpPr>
+      <p:sp>
+        <p:nvSpPr>
+          <p:cNvPr id="2" name="Заголовок 1"/>
+          <p:cNvSpPr>
+            <a:spLocks noGrp="1"/>
+          </p:cNvSpPr>
+          <p:nvPr>
+            <p:ph type="title"/>
+          </p:nvPr>
+        </p:nvSpPr>
+        <p:spPr/>
+        <p:txBody>
+          <a:bodyPr/>
+          <a:lstStyle/>
+          <a:p>
+            <a:r>
+              <a:rPr lang="en-US" dirty="0" smtClean="0"/>
+              <a:t>Links</a:t>
+            </a:r>
+            <a:endParaRPr lang="uk-UA" dirty="0"/>
+          </a:p>
+        </p:txBody>
+      </p:sp>
+      <p:sp>
+        <p:nvSpPr>
+          <p:cNvPr id="3" name="Содержимое 2"/>
+          <p:cNvSpPr>
+            <a:spLocks noGrp="1"/>
+          </p:cNvSpPr>
+          <p:nvPr>
+            <p:ph sz="quarter" idx="1"/>
+          </p:nvPr>
+        </p:nvSpPr>
+        <p:spPr/>
+        <p:txBody>
+          <a:bodyPr>
+            <a:normAutofit/>
+          </a:bodyPr>
+          <a:lstStyle/>
+          <a:p>
+            <a:r>
+              <a:rPr lang="en-US" sz="2400" dirty="0" smtClean="0">
+                <a:hlinkClick r:id="rId2"/>
+              </a:rPr>
+              <a:t>https://www.youtube.com/watch?v=hjmQWZTH2oQ</a:t>
+            </a:r>
+            <a:endParaRPr lang="en-US" sz="2400" dirty="0" smtClean="0"/>
+          </a:p>
+          <a:p>
+            <a:r>
+              <a:rPr lang="en-US" sz="2400" dirty="0" smtClean="0">
+                <a:hlinkClick r:id="rId3"/>
+              </a:rPr>
+              <a:t>https://www.youtube.com/watch?v=e4MT_OguDKg</a:t>
+            </a:r>
+            <a:r>
+              <a:rPr lang="uk-UA" sz="2400" dirty="0" smtClean="0"/>
+              <a:t> </a:t>
+            </a:r>
+            <a:endParaRPr lang="en-US" sz="2400" dirty="0" smtClean="0"/>
+          </a:p>
+          <a:p>
+            <a:r>
+              <a:rPr lang="en-US" sz="2400" dirty="0" smtClean="0">
+                <a:hlinkClick r:id="rId4"/>
+              </a:rPr>
+              <a:t>http://radar.oreilly.com/2014/12/using-the-command-pattern-with-lambda-expressions.html</a:t>
+            </a:r>
+            <a:endParaRPr lang="en-US" sz="2400" dirty="0" smtClean="0"/>
+          </a:p>
+          <a:p>
+            <a:r>
+              <a:rPr lang="en-US" sz="2400" dirty="0" smtClean="0">
+                <a:hlinkClick r:id="rId5"/>
+              </a:rPr>
+              <a:t>http://shop.oreilly.com/product/0636920030713.do</a:t>
+            </a:r>
+            <a:endParaRPr lang="en-US" sz="2400" dirty="0" smtClean="0"/>
+          </a:p>
+          <a:p>
+            <a:r>
+              <a:rPr lang="en-US" sz="2400" dirty="0" smtClean="0">
+                <a:hlinkClick r:id="rId6"/>
+              </a:rPr>
+              <a:t>http://www.grahamlea.com/2014/07/lambda-design-patterns-java-8/</a:t>
+            </a:r>
+            <a:r>
+              <a:rPr lang="uk-UA" sz="2400" dirty="0" smtClean="0"/>
+              <a:t> </a:t>
+            </a:r>
+            <a:endParaRPr lang="en-US" sz="2400" dirty="0" smtClean="0"/>
+          </a:p>
+          <a:p>
+            <a:r>
+              <a:rPr lang="en-US" sz="2400" dirty="0" smtClean="0">
+                <a:hlinkClick r:id="rId7"/>
+              </a:rPr>
+              <a:t>https://</a:t>
+            </a:r>
+            <a:r>
+              <a:rPr lang="en-US" sz="2400" dirty="0" smtClean="0">
+                <a:hlinkClick r:id="rId7"/>
+              </a:rPr>
+              <a:t>vimeo.com/113588389</a:t>
+            </a:r>
+            <a:endParaRPr lang="en-US" sz="2400" dirty="0" smtClean="0"/>
+          </a:p>
+          <a:p>
+            <a:pPr>
+              <a:buNone/>
+            </a:pPr>
+            <a:endParaRPr lang="en-US" sz="2700" dirty="0" smtClean="0"/>
+          </a:p>
+          <a:p>
+            <a:endParaRPr lang="uk-UA" dirty="0"/>
+          </a:p>
+        </p:txBody>
+      </p:sp>
+    </p:spTree>
+  </p:cSld>
+  <p:clrMapOvr>
+    <a:masterClrMapping/>
+  </p:clrMapOvr>
+</p:sld>
+</file>
+
+<file path=ppt/slides/slide22.xml><?xml version="1.0" encoding="utf-8"?>
+<p:sld xmlns:a="http://schemas.openxmlformats.org/drawingml/2006/main" xmlns:r="http://schemas.openxmlformats.org/officeDocument/2006/relationships" xmlns:p="http://schemas.openxmlformats.org/presentationml/2006/main">
+  <p:cSld>
+    <p:spTree>
+      <p:nvGrpSpPr>
+        <p:cNvPr id="1" name=""/>
+        <p:cNvGrpSpPr/>
+        <p:nvPr/>
+      </p:nvGrpSpPr>
+      <p:grpSpPr>
+        <a:xfrm>
+          <a:off x="0" y="0"/>
+          <a:ext cx="0" cy="0"/>
+          <a:chOff x="0" y="0"/>
+          <a:chExt cx="0" cy="0"/>
+        </a:xfrm>
+      </p:grpSpPr>
+      <p:sp>
+        <p:nvSpPr>
+          <p:cNvPr id="2" name="Заголовок 1"/>
+          <p:cNvSpPr>
+            <a:spLocks noGrp="1"/>
+          </p:cNvSpPr>
+          <p:nvPr>
+            <p:ph type="title"/>
+          </p:nvPr>
+        </p:nvSpPr>
+        <p:spPr>
+          <a:xfrm>
+            <a:off x="428596" y="2071678"/>
+            <a:ext cx="8229600" cy="1143000"/>
+          </a:xfrm>
+        </p:spPr>
+        <p:txBody>
+          <a:bodyPr/>
+          <a:lstStyle/>
+          <a:p>
+            <a:r>
+              <a:rPr lang="en-US" sz="5000" dirty="0" smtClean="0"/>
+              <a:t>Questions</a:t>
+            </a:r>
+            <a:endParaRPr lang="uk-UA" sz="5000" dirty="0"/>
+          </a:p>
+        </p:txBody>
+      </p:sp>
+    </p:spTree>
+  </p:cSld>
+  <p:clrMapOvr>
+    <a:masterClrMapping/>
+  </p:clrMapOvr>
+</p:sld>
+</file>
+
+<file path=ppt/slides/slide3.xml><?xml version="1.0" encoding="utf-8"?>
 <p:sld xmlns:a="http://schemas.openxmlformats.org/drawingml/2006/main" xmlns:r="http://schemas.openxmlformats.org/officeDocument/2006/relationships" xmlns:p="http://schemas.openxmlformats.org/presentationml/2006/main">
   <p:cSld>
     <p:spTree>
@@ -5792,7 +7704,7 @@
 </p:sld>
 </file>
 
-<file path=ppt/slides/slide3.xml><?xml version="1.0" encoding="utf-8"?>
+<file path=ppt/slides/slide4.xml><?xml version="1.0" encoding="utf-8"?>
 <p:sld xmlns:a="http://schemas.openxmlformats.org/drawingml/2006/main" xmlns:r="http://schemas.openxmlformats.org/officeDocument/2006/relationships" xmlns:p="http://schemas.openxmlformats.org/presentationml/2006/main">
   <p:cSld>
     <p:spTree>
@@ -5937,147 +7849,6 @@
       </p:par>
     </p:tnLst>
   </p:timing>
-</p:sld>
-</file>
-
-<file path=ppt/slides/slide4.xml><?xml version="1.0" encoding="utf-8"?>
-<p:sld xmlns:a="http://schemas.openxmlformats.org/drawingml/2006/main" xmlns:r="http://schemas.openxmlformats.org/officeDocument/2006/relationships" xmlns:p="http://schemas.openxmlformats.org/presentationml/2006/main">
-  <p:cSld>
-    <p:spTree>
-      <p:nvGrpSpPr>
-        <p:cNvPr id="1" name=""/>
-        <p:cNvGrpSpPr/>
-        <p:nvPr/>
-      </p:nvGrpSpPr>
-      <p:grpSpPr>
-        <a:xfrm>
-          <a:off x="0" y="0"/>
-          <a:ext cx="0" cy="0"/>
-          <a:chOff x="0" y="0"/>
-          <a:chExt cx="0" cy="0"/>
-        </a:xfrm>
-      </p:grpSpPr>
-      <p:sp>
-        <p:nvSpPr>
-          <p:cNvPr id="2" name="Заголовок 1"/>
-          <p:cNvSpPr>
-            <a:spLocks noGrp="1"/>
-          </p:cNvSpPr>
-          <p:nvPr>
-            <p:ph type="title"/>
-          </p:nvPr>
-        </p:nvSpPr>
-        <p:spPr/>
-        <p:txBody>
-          <a:bodyPr/>
-          <a:lstStyle/>
-          <a:p>
-            <a:r>
-              <a:rPr lang="en-US" dirty="0" smtClean="0"/>
-              <a:t>Decorator</a:t>
-            </a:r>
-            <a:endParaRPr lang="uk-UA" dirty="0"/>
-          </a:p>
-        </p:txBody>
-      </p:sp>
-      <p:pic>
-        <p:nvPicPr>
-          <p:cNvPr id="3074" name="Picture 2" descr="D:\vitaliy\gof\Шпаргалка по шаблонам проектирования _ Хабрахабр_files\Декоратор.jpg"/>
-          <p:cNvPicPr>
-            <a:picLocks noGrp="1" noChangeAspect="1" noChangeArrowheads="1"/>
-          </p:cNvPicPr>
-          <p:nvPr>
-            <p:ph sz="quarter" idx="1"/>
-          </p:nvPr>
-        </p:nvPicPr>
-        <p:blipFill>
-          <a:blip r:embed="rId2" cstate="print"/>
-          <a:srcRect/>
-          <a:stretch>
-            <a:fillRect/>
-          </a:stretch>
-        </p:blipFill>
-        <p:spPr bwMode="auto">
-          <a:xfrm>
-            <a:off x="457200" y="1571612"/>
-            <a:ext cx="8229600" cy="3410907"/>
-          </a:xfrm>
-          <a:prstGeom prst="rect">
-            <a:avLst/>
-          </a:prstGeom>
-          <a:noFill/>
-        </p:spPr>
-      </p:pic>
-      <p:pic>
-        <p:nvPicPr>
-          <p:cNvPr id="5" name="Picture 5" descr="D:\vitaliy\gof\updated-stamp_gg68098777.jpg"/>
-          <p:cNvPicPr>
-            <a:picLocks noChangeAspect="1" noChangeArrowheads="1"/>
-          </p:cNvPicPr>
-          <p:nvPr/>
-        </p:nvPicPr>
-        <p:blipFill>
-          <a:blip r:embed="rId3" cstate="print"/>
-          <a:srcRect r="714" b="9459"/>
-          <a:stretch>
-            <a:fillRect/>
-          </a:stretch>
-        </p:blipFill>
-        <p:spPr bwMode="auto">
-          <a:xfrm>
-            <a:off x="7358082" y="5143512"/>
-            <a:ext cx="1738313" cy="1675783"/>
-          </a:xfrm>
-          <a:prstGeom prst="rect">
-            <a:avLst/>
-          </a:prstGeom>
-          <a:noFill/>
-        </p:spPr>
-      </p:pic>
-      <p:sp>
-        <p:nvSpPr>
-          <p:cNvPr id="6" name="TextBox 5"/>
-          <p:cNvSpPr txBox="1"/>
-          <p:nvPr/>
-        </p:nvSpPr>
-        <p:spPr>
-          <a:xfrm>
-            <a:off x="642910" y="5059932"/>
-            <a:ext cx="6357982" cy="1200329"/>
-          </a:xfrm>
-          <a:prstGeom prst="rect">
-            <a:avLst/>
-          </a:prstGeom>
-          <a:noFill/>
-        </p:spPr>
-        <p:txBody>
-          <a:bodyPr wrap="square" rtlCol="0">
-            <a:spAutoFit/>
-          </a:bodyPr>
-          <a:lstStyle/>
-          <a:p>
-            <a:r>
-              <a:rPr lang="en-US" b="1" i="1" dirty="0" smtClean="0"/>
-              <a:t>Java 8 style:</a:t>
-            </a:r>
-          </a:p>
-          <a:p>
-            <a:r>
-              <a:rPr lang="en-US" dirty="0" smtClean="0"/>
-              <a:t>A lambda that calls another lambda with the same signature but changes the arguments on the way in, or the result on the way out, or performs some extra action.</a:t>
-            </a:r>
-            <a:r>
-              <a:rPr lang="en-US" b="1" i="1" dirty="0" smtClean="0"/>
-              <a:t> </a:t>
-            </a:r>
-          </a:p>
-        </p:txBody>
-      </p:sp>
-    </p:spTree>
-  </p:cSld>
-  <p:clrMapOvr>
-    <a:masterClrMapping/>
-  </p:clrMapOvr>
 </p:sld>
 </file>
 
@@ -6115,7 +7886,7 @@
           <a:p>
             <a:r>
               <a:rPr lang="en-US" dirty="0" smtClean="0"/>
-              <a:t>Interpreter</a:t>
+              <a:t>Decorator</a:t>
             </a:r>
             <a:endParaRPr lang="uk-UA" dirty="0"/>
           </a:p>
@@ -6123,7 +7894,7 @@
       </p:sp>
       <p:pic>
         <p:nvPicPr>
-          <p:cNvPr id="4098" name="Picture 2" descr="D:\vitaliy\gof\Шпаргалка по шаблонам проектирования _ Хабрахабр_files\Интерпритпатор.jpg"/>
+          <p:cNvPr id="3074" name="Picture 2" descr="D:\vitaliy\gof\Шпаргалка по шаблонам проектирования _ Хабрахабр_files\Декоратор.jpg"/>
           <p:cNvPicPr>
             <a:picLocks noGrp="1" noChangeAspect="1" noChangeArrowheads="1"/>
           </p:cNvPicPr>
@@ -6141,7 +7912,7 @@
         <p:spPr bwMode="auto">
           <a:xfrm>
             <a:off x="457200" y="1571612"/>
-            <a:ext cx="8229600" cy="3482017"/>
+            <a:ext cx="8229600" cy="3410907"/>
           </a:xfrm>
           <a:prstGeom prst="rect">
             <a:avLst/>
@@ -6151,7 +7922,7 @@
       </p:pic>
       <p:pic>
         <p:nvPicPr>
-          <p:cNvPr id="4" name="Picture 5" descr="D:\vitaliy\gof\updated-stamp_gg68098777.jpg"/>
+          <p:cNvPr id="5" name="Picture 5" descr="D:\vitaliy\gof\updated-stamp_gg68098777.jpg"/>
           <p:cNvPicPr>
             <a:picLocks noChangeAspect="1" noChangeArrowheads="1"/>
           </p:cNvPicPr>
@@ -6177,14 +7948,14 @@
       </p:pic>
       <p:sp>
         <p:nvSpPr>
-          <p:cNvPr id="5" name="TextBox 4"/>
+          <p:cNvPr id="6" name="TextBox 5"/>
           <p:cNvSpPr txBox="1"/>
           <p:nvPr/>
         </p:nvSpPr>
         <p:spPr>
           <a:xfrm>
-            <a:off x="642910" y="5202808"/>
-            <a:ext cx="6357982" cy="646331"/>
+            <a:off x="642910" y="5059932"/>
+            <a:ext cx="6357982" cy="1200329"/>
           </a:xfrm>
           <a:prstGeom prst="rect">
             <a:avLst/>
@@ -6205,7 +7976,7 @@
           <a:p>
             <a:r>
               <a:rPr lang="en-US" dirty="0" smtClean="0"/>
-              <a:t>Use map of lambdas </a:t>
+              <a:t>A lambda that calls another lambda with the same signature but changes the arguments on the way in, or the result on the way out, or performs some extra action.</a:t>
             </a:r>
             <a:r>
               <a:rPr lang="en-US" b="1" i="1" dirty="0" smtClean="0"/>
@@ -6256,7 +8027,7 @@
           <a:p>
             <a:r>
               <a:rPr lang="en-US" dirty="0" smtClean="0"/>
-              <a:t>Observer</a:t>
+              <a:t>Interpreter</a:t>
             </a:r>
             <a:endParaRPr lang="uk-UA" dirty="0"/>
           </a:p>
@@ -6264,7 +8035,7 @@
       </p:sp>
       <p:pic>
         <p:nvPicPr>
-          <p:cNvPr id="6146" name="Picture 2" descr="D:\vitaliy\gof\Шпаргалка по шаблонам проектирования _ Хабрахабр_files\Наблюдатель.jpg"/>
+          <p:cNvPr id="4098" name="Picture 2" descr="D:\vitaliy\gof\Шпаргалка по шаблонам проектирования _ Хабрахабр_files\Интерпритпатор.jpg"/>
           <p:cNvPicPr>
             <a:picLocks noGrp="1" noChangeAspect="1" noChangeArrowheads="1"/>
           </p:cNvPicPr>
@@ -6281,8 +8052,8 @@
         </p:blipFill>
         <p:spPr bwMode="auto">
           <a:xfrm>
-            <a:off x="457200" y="1714488"/>
-            <a:ext cx="8229600" cy="3499471"/>
+            <a:off x="457200" y="1571612"/>
+            <a:ext cx="8229600" cy="3482017"/>
           </a:xfrm>
           <a:prstGeom prst="rect">
             <a:avLst/>
@@ -6324,8 +8095,8 @@
         </p:nvSpPr>
         <p:spPr>
           <a:xfrm>
-            <a:off x="642910" y="5059932"/>
-            <a:ext cx="6357982" cy="923330"/>
+            <a:off x="642910" y="5202808"/>
+            <a:ext cx="6357982" cy="646331"/>
           </a:xfrm>
           <a:prstGeom prst="rect">
             <a:avLst/>
@@ -6346,9 +8117,12 @@
           <a:p>
             <a:r>
               <a:rPr lang="en-US" dirty="0" smtClean="0"/>
-              <a:t>Give some other object a lambda to call when something happens in the future.</a:t>
-            </a:r>
-            <a:endParaRPr lang="en-US" b="1" i="1" dirty="0" smtClean="0"/>
+              <a:t>Use map of lambdas </a:t>
+            </a:r>
+            <a:r>
+              <a:rPr lang="en-US" b="1" i="1" dirty="0" smtClean="0"/>
+              <a:t> </a:t>
+            </a:r>
           </a:p>
         </p:txBody>
       </p:sp>
@@ -6394,7 +8168,7 @@
           <a:p>
             <a:r>
               <a:rPr lang="en-US" dirty="0" smtClean="0"/>
-              <a:t>Strategy</a:t>
+              <a:t>Observer</a:t>
             </a:r>
             <a:endParaRPr lang="uk-UA" dirty="0"/>
           </a:p>
@@ -6402,7 +8176,7 @@
       </p:sp>
       <p:pic>
         <p:nvPicPr>
-          <p:cNvPr id="7170" name="Picture 2" descr="D:\vitaliy\gof\Шпаргалка по шаблонам проектирования _ Хабрахабр_files\Стратегия.jpg"/>
+          <p:cNvPr id="6146" name="Picture 2" descr="D:\vitaliy\gof\Шпаргалка по шаблонам проектирования _ Хабрахабр_files\Наблюдатель.jpg"/>
           <p:cNvPicPr>
             <a:picLocks noGrp="1" noChangeAspect="1" noChangeArrowheads="1"/>
           </p:cNvPicPr>
@@ -6419,8 +8193,8 @@
         </p:blipFill>
         <p:spPr bwMode="auto">
           <a:xfrm>
-            <a:off x="457200" y="1571612"/>
-            <a:ext cx="8229600" cy="3554797"/>
+            <a:off x="457200" y="1714488"/>
+            <a:ext cx="8229600" cy="3499471"/>
           </a:xfrm>
           <a:prstGeom prst="rect">
             <a:avLst/>
@@ -6482,15 +8256,11 @@
             </a:r>
           </a:p>
           <a:p>
-            <a:pPr fontAlgn="base"/>
             <a:r>
               <a:rPr lang="en-US" dirty="0" smtClean="0"/>
-              <a:t>Choose from a family of lambdas with identical signatures at runtime.</a:t>
-            </a:r>
-            <a:r>
-              <a:rPr lang="en-US" b="1" i="1" dirty="0" smtClean="0"/>
-              <a:t> </a:t>
-            </a:r>
+              <a:t>Give some other object a lambda to call when something happens in the future.</a:t>
+            </a:r>
+            <a:endParaRPr lang="en-US" b="1" i="1" dirty="0" smtClean="0"/>
           </a:p>
         </p:txBody>
       </p:sp>
@@ -6536,7 +8306,7 @@
           <a:p>
             <a:r>
               <a:rPr lang="en-US" dirty="0" smtClean="0"/>
-              <a:t>Factory method</a:t>
+              <a:t>Strategy</a:t>
             </a:r>
             <a:endParaRPr lang="uk-UA" dirty="0"/>
           </a:p>
@@ -6544,7 +8314,7 @@
       </p:sp>
       <p:pic>
         <p:nvPicPr>
-          <p:cNvPr id="2050" name="Picture 2" descr="D:\vitaliy\gof\Шпаргалка по шаблонам проектирования _ Хабрахабр_files\Фабричній метод.jpg"/>
+          <p:cNvPr id="7170" name="Picture 2" descr="D:\vitaliy\gof\Шпаргалка по шаблонам проектирования _ Хабрахабр_files\Стратегия.jpg"/>
           <p:cNvPicPr>
             <a:picLocks noGrp="1" noChangeAspect="1" noChangeArrowheads="1"/>
           </p:cNvPicPr>
@@ -6561,8 +8331,8 @@
         </p:blipFill>
         <p:spPr bwMode="auto">
           <a:xfrm>
-            <a:off x="500034" y="1714488"/>
-            <a:ext cx="8229600" cy="3250226"/>
+            <a:off x="457200" y="1571612"/>
+            <a:ext cx="8229600" cy="3554797"/>
           </a:xfrm>
           <a:prstGeom prst="rect">
             <a:avLst/>
@@ -6572,7 +8342,7 @@
       </p:pic>
       <p:pic>
         <p:nvPicPr>
-          <p:cNvPr id="6" name="Picture 5" descr="D:\vitaliy\gof\updated-stamp_gg68098777.jpg"/>
+          <p:cNvPr id="4" name="Picture 5" descr="D:\vitaliy\gof\updated-stamp_gg68098777.jpg"/>
           <p:cNvPicPr>
             <a:picLocks noChangeAspect="1" noChangeArrowheads="1"/>
           </p:cNvPicPr>
@@ -6598,7 +8368,7 @@
       </p:pic>
       <p:sp>
         <p:nvSpPr>
-          <p:cNvPr id="7" name="TextBox 6"/>
+          <p:cNvPr id="5" name="TextBox 4"/>
           <p:cNvSpPr txBox="1"/>
           <p:nvPr/>
         </p:nvSpPr>
@@ -6624,9 +8394,10 @@
             </a:r>
           </a:p>
           <a:p>
+            <a:pPr fontAlgn="base"/>
             <a:r>
               <a:rPr lang="en-US" dirty="0" smtClean="0"/>
-              <a:t>A lambda that conforms to some interface and returns a new object</a:t>
+              <a:t>Choose from a family of lambdas with identical signatures at runtime.</a:t>
             </a:r>
             <a:r>
               <a:rPr lang="en-US" b="1" i="1" dirty="0" smtClean="0"/>
@@ -6677,7 +8448,7 @@
           <a:p>
             <a:r>
               <a:rPr lang="en-US" dirty="0" smtClean="0"/>
-              <a:t>Template method</a:t>
+              <a:t>Factory method</a:t>
             </a:r>
             <a:endParaRPr lang="uk-UA" dirty="0"/>
           </a:p>
@@ -6685,7 +8456,7 @@
       </p:sp>
       <p:pic>
         <p:nvPicPr>
-          <p:cNvPr id="8194" name="Picture 2" descr="D:\vitaliy\gof\Шпаргалка по шаблонам проектирования _ Хабрахабр_files\Шаблонній метод.jpg"/>
+          <p:cNvPr id="2050" name="Picture 2" descr="D:\vitaliy\gof\Шпаргалка по шаблонам проектирования _ Хабрахабр_files\Фабричній метод.jpg"/>
           <p:cNvPicPr>
             <a:picLocks noGrp="1" noChangeAspect="1" noChangeArrowheads="1"/>
           </p:cNvPicPr>
@@ -6702,8 +8473,8 @@
         </p:blipFill>
         <p:spPr bwMode="auto">
           <a:xfrm>
-            <a:off x="457200" y="1714488"/>
-            <a:ext cx="8229600" cy="3484114"/>
+            <a:off x="500034" y="1714488"/>
+            <a:ext cx="8229600" cy="3250226"/>
           </a:xfrm>
           <a:prstGeom prst="rect">
             <a:avLst/>
@@ -6713,7 +8484,7 @@
       </p:pic>
       <p:pic>
         <p:nvPicPr>
-          <p:cNvPr id="4" name="Picture 5" descr="D:\vitaliy\gof\updated-stamp_gg68098777.jpg"/>
+          <p:cNvPr id="6" name="Picture 5" descr="D:\vitaliy\gof\updated-stamp_gg68098777.jpg"/>
           <p:cNvPicPr>
             <a:picLocks noChangeAspect="1" noChangeArrowheads="1"/>
           </p:cNvPicPr>
@@ -6739,7 +8510,7 @@
       </p:pic>
       <p:sp>
         <p:nvSpPr>
-          <p:cNvPr id="5" name="TextBox 4"/>
+          <p:cNvPr id="7" name="TextBox 6"/>
           <p:cNvSpPr txBox="1"/>
           <p:nvPr/>
         </p:nvSpPr>
@@ -6767,9 +8538,12 @@
           <a:p>
             <a:r>
               <a:rPr lang="en-US" dirty="0" smtClean="0"/>
-              <a:t>Replace the abstract method polymorphism with composition, passing lambdas into the constructor.</a:t>
-            </a:r>
-            <a:endParaRPr lang="en-US" b="1" i="1" dirty="0" smtClean="0"/>
+              <a:t>A lambda that conforms to some interface and returns a new object</a:t>
+            </a:r>
+            <a:r>
+              <a:rPr lang="en-US" b="1" i="1" dirty="0" smtClean="0"/>
+              <a:t> </a:t>
+            </a:r>
           </a:p>
         </p:txBody>
       </p:sp>
